--- a/Vistula.pptx
+++ b/Vistula.pptx
@@ -137,6 +137,11 @@
       </a:defRPr>
     </a:lvl9pPr>
   </p:defaultTextStyle>
+  <p:extLst>
+    <p:ext uri="{EFAFB233-063F-42B5-8137-9DF3F51BA10A}">
+      <p15:sldGuideLst xmlns:p15="http://schemas.microsoft.com/office/powerpoint/2012/main"/>
+    </p:ext>
+  </p:extLst>
 </p:presentation>
 </file>
 
@@ -862,7 +867,7 @@
           <a:p>
             <a:fld id="{03976689-41C1-4C50-86F0-FC3E4722A91C}" type="datetimeFigureOut">
               <a:rPr lang="pl-PL" smtClean="0"/>
-              <a:t>13.05.2017</a:t>
+              <a:t>14.10.2017</a:t>
             </a:fld>
             <a:endParaRPr lang="pl-PL"/>
           </a:p>
@@ -1118,7 +1123,7 @@
           <a:p>
             <a:fld id="{03976689-41C1-4C50-86F0-FC3E4722A91C}" type="datetimeFigureOut">
               <a:rPr lang="pl-PL" smtClean="0"/>
-              <a:t>13.05.2017</a:t>
+              <a:t>14.10.2017</a:t>
             </a:fld>
             <a:endParaRPr lang="pl-PL"/>
           </a:p>
@@ -1432,7 +1437,7 @@
           <a:p>
             <a:fld id="{03976689-41C1-4C50-86F0-FC3E4722A91C}" type="datetimeFigureOut">
               <a:rPr lang="pl-PL" smtClean="0"/>
-              <a:t>13.05.2017</a:t>
+              <a:t>14.10.2017</a:t>
             </a:fld>
             <a:endParaRPr lang="pl-PL"/>
           </a:p>
@@ -1773,7 +1778,7 @@
           <a:p>
             <a:fld id="{03976689-41C1-4C50-86F0-FC3E4722A91C}" type="datetimeFigureOut">
               <a:rPr lang="pl-PL" smtClean="0"/>
-              <a:t>13.05.2017</a:t>
+              <a:t>14.10.2017</a:t>
             </a:fld>
             <a:endParaRPr lang="pl-PL"/>
           </a:p>
@@ -2087,7 +2092,7 @@
           <a:p>
             <a:fld id="{03976689-41C1-4C50-86F0-FC3E4722A91C}" type="datetimeFigureOut">
               <a:rPr lang="pl-PL" smtClean="0"/>
-              <a:t>13.05.2017</a:t>
+              <a:t>14.10.2017</a:t>
             </a:fld>
             <a:endParaRPr lang="pl-PL"/>
           </a:p>
@@ -2480,7 +2485,7 @@
           <a:p>
             <a:fld id="{03976689-41C1-4C50-86F0-FC3E4722A91C}" type="datetimeFigureOut">
               <a:rPr lang="pl-PL" smtClean="0"/>
-              <a:t>13.05.2017</a:t>
+              <a:t>14.10.2017</a:t>
             </a:fld>
             <a:endParaRPr lang="pl-PL"/>
           </a:p>
@@ -2650,7 +2655,7 @@
           <a:p>
             <a:fld id="{03976689-41C1-4C50-86F0-FC3E4722A91C}" type="datetimeFigureOut">
               <a:rPr lang="pl-PL" smtClean="0"/>
-              <a:t>13.05.2017</a:t>
+              <a:t>14.10.2017</a:t>
             </a:fld>
             <a:endParaRPr lang="pl-PL"/>
           </a:p>
@@ -2830,7 +2835,7 @@
           <a:p>
             <a:fld id="{03976689-41C1-4C50-86F0-FC3E4722A91C}" type="datetimeFigureOut">
               <a:rPr lang="pl-PL" smtClean="0"/>
-              <a:t>13.05.2017</a:t>
+              <a:t>14.10.2017</a:t>
             </a:fld>
             <a:endParaRPr lang="pl-PL"/>
           </a:p>
@@ -3006,7 +3011,7 @@
           <a:p>
             <a:fld id="{03976689-41C1-4C50-86F0-FC3E4722A91C}" type="datetimeFigureOut">
               <a:rPr lang="pl-PL" smtClean="0"/>
-              <a:t>13.05.2017</a:t>
+              <a:t>14.10.2017</a:t>
             </a:fld>
             <a:endParaRPr lang="pl-PL"/>
           </a:p>
@@ -3253,7 +3258,7 @@
           <a:p>
             <a:fld id="{03976689-41C1-4C50-86F0-FC3E4722A91C}" type="datetimeFigureOut">
               <a:rPr lang="pl-PL" smtClean="0"/>
-              <a:t>13.05.2017</a:t>
+              <a:t>14.10.2017</a:t>
             </a:fld>
             <a:endParaRPr lang="pl-PL"/>
           </a:p>
@@ -3485,7 +3490,7 @@
           <a:p>
             <a:fld id="{03976689-41C1-4C50-86F0-FC3E4722A91C}" type="datetimeFigureOut">
               <a:rPr lang="pl-PL" smtClean="0"/>
-              <a:t>13.05.2017</a:t>
+              <a:t>14.10.2017</a:t>
             </a:fld>
             <a:endParaRPr lang="pl-PL"/>
           </a:p>
@@ -3859,7 +3864,7 @@
           <a:p>
             <a:fld id="{03976689-41C1-4C50-86F0-FC3E4722A91C}" type="datetimeFigureOut">
               <a:rPr lang="pl-PL" smtClean="0"/>
-              <a:t>13.05.2017</a:t>
+              <a:t>14.10.2017</a:t>
             </a:fld>
             <a:endParaRPr lang="pl-PL"/>
           </a:p>
@@ -3982,7 +3987,7 @@
           <a:p>
             <a:fld id="{03976689-41C1-4C50-86F0-FC3E4722A91C}" type="datetimeFigureOut">
               <a:rPr lang="pl-PL" smtClean="0"/>
-              <a:t>13.05.2017</a:t>
+              <a:t>14.10.2017</a:t>
             </a:fld>
             <a:endParaRPr lang="pl-PL"/>
           </a:p>
@@ -4077,7 +4082,7 @@
           <a:p>
             <a:fld id="{03976689-41C1-4C50-86F0-FC3E4722A91C}" type="datetimeFigureOut">
               <a:rPr lang="pl-PL" smtClean="0"/>
-              <a:t>13.05.2017</a:t>
+              <a:t>14.10.2017</a:t>
             </a:fld>
             <a:endParaRPr lang="pl-PL"/>
           </a:p>
@@ -4337,7 +4342,7 @@
           <a:p>
             <a:fld id="{03976689-41C1-4C50-86F0-FC3E4722A91C}" type="datetimeFigureOut">
               <a:rPr lang="pl-PL" smtClean="0"/>
-              <a:t>13.05.2017</a:t>
+              <a:t>14.10.2017</a:t>
             </a:fld>
             <a:endParaRPr lang="pl-PL"/>
           </a:p>
@@ -4605,7 +4610,7 @@
           <a:p>
             <a:fld id="{03976689-41C1-4C50-86F0-FC3E4722A91C}" type="datetimeFigureOut">
               <a:rPr lang="pl-PL" smtClean="0"/>
-              <a:t>13.05.2017</a:t>
+              <a:t>14.10.2017</a:t>
             </a:fld>
             <a:endParaRPr lang="pl-PL"/>
           </a:p>
@@ -5348,7 +5353,7 @@
           <a:p>
             <a:fld id="{03976689-41C1-4C50-86F0-FC3E4722A91C}" type="datetimeFigureOut">
               <a:rPr lang="pl-PL" smtClean="0"/>
-              <a:t>13.05.2017</a:t>
+              <a:t>14.10.2017</a:t>
             </a:fld>
             <a:endParaRPr lang="pl-PL"/>
           </a:p>
@@ -11385,30 +11390,6 @@
           <a:chExt cx="0" cy="0"/>
         </a:xfrm>
       </p:grpSpPr>
-      <p:pic>
-        <p:nvPicPr>
-          <p:cNvPr id="5" name="Picture 4"/>
-          <p:cNvPicPr>
-            <a:picLocks noChangeAspect="1"/>
-          </p:cNvPicPr>
-          <p:nvPr/>
-        </p:nvPicPr>
-        <p:blipFill>
-          <a:blip r:embed="rId2"/>
-          <a:stretch>
-            <a:fillRect/>
-          </a:stretch>
-        </p:blipFill>
-        <p:spPr>
-          <a:xfrm>
-            <a:off x="277285" y="1489573"/>
-            <a:ext cx="9522786" cy="4111127"/>
-          </a:xfrm>
-          <a:prstGeom prst="rect">
-            <a:avLst/>
-          </a:prstGeom>
-        </p:spPr>
-      </p:pic>
       <p:sp>
         <p:nvSpPr>
           <p:cNvPr id="2" name="Title 1"/>
@@ -11439,6 +11420,2744 @@
           </a:p>
         </p:txBody>
       </p:sp>
+      <p:graphicFrame>
+        <p:nvGraphicFramePr>
+          <p:cNvPr id="3" name="Table 2"/>
+          <p:cNvGraphicFramePr>
+            <a:graphicFrameLocks noGrp="1"/>
+          </p:cNvGraphicFramePr>
+          <p:nvPr>
+            <p:extLst>
+              <p:ext uri="{D42A27DB-BD31-4B8C-83A1-F6EECF244321}">
+                <p14:modId xmlns:p14="http://schemas.microsoft.com/office/powerpoint/2010/main" val="2092109238"/>
+              </p:ext>
+            </p:extLst>
+          </p:nvPr>
+        </p:nvGraphicFramePr>
+        <p:xfrm>
+          <a:off x="308181" y="1232381"/>
+          <a:ext cx="9532504" cy="5212547"/>
+        </p:xfrm>
+        <a:graphic>
+          <a:graphicData uri="http://schemas.openxmlformats.org/drawingml/2006/table">
+            <a:tbl>
+              <a:tblPr/>
+              <a:tblGrid>
+                <a:gridCol w="3172953">
+                  <a:extLst>
+                    <a:ext uri="{9D8B030D-6E8A-4147-A177-3AD203B41FA5}">
+                      <a16:colId xmlns:a16="http://schemas.microsoft.com/office/drawing/2014/main" val="3695468818"/>
+                    </a:ext>
+                  </a:extLst>
+                </a:gridCol>
+                <a:gridCol w="3145658">
+                  <a:extLst>
+                    <a:ext uri="{9D8B030D-6E8A-4147-A177-3AD203B41FA5}">
+                      <a16:colId xmlns:a16="http://schemas.microsoft.com/office/drawing/2014/main" val="1281485140"/>
+                    </a:ext>
+                  </a:extLst>
+                </a:gridCol>
+                <a:gridCol w="1235063">
+                  <a:extLst>
+                    <a:ext uri="{9D8B030D-6E8A-4147-A177-3AD203B41FA5}">
+                      <a16:colId xmlns:a16="http://schemas.microsoft.com/office/drawing/2014/main" val="1808201661"/>
+                    </a:ext>
+                  </a:extLst>
+                </a:gridCol>
+                <a:gridCol w="682355">
+                  <a:extLst>
+                    <a:ext uri="{9D8B030D-6E8A-4147-A177-3AD203B41FA5}">
+                      <a16:colId xmlns:a16="http://schemas.microsoft.com/office/drawing/2014/main" val="2201495615"/>
+                    </a:ext>
+                  </a:extLst>
+                </a:gridCol>
+                <a:gridCol w="1296475">
+                  <a:extLst>
+                    <a:ext uri="{9D8B030D-6E8A-4147-A177-3AD203B41FA5}">
+                      <a16:colId xmlns:a16="http://schemas.microsoft.com/office/drawing/2014/main" val="1110034904"/>
+                    </a:ext>
+                  </a:extLst>
+                </a:gridCol>
+              </a:tblGrid>
+              <a:tr h="661109">
+                <a:tc>
+                  <a:txBody>
+                    <a:bodyPr/>
+                    <a:lstStyle/>
+                    <a:p>
+                      <a:pPr rtl="0" fontAlgn="b"/>
+                      <a:r>
+                        <a:rPr lang="pl-PL" sz="1300" b="1" dirty="0">
+                          <a:effectLst/>
+                        </a:rPr>
+                        <a:t>Nazwa przedmiotu</a:t>
+                      </a:r>
+                    </a:p>
+                  </a:txBody>
+                  <a:tcPr marL="16083" marR="16083" marT="10722" marB="10722" anchor="b">
+                    <a:lnL w="7620" cap="flat" cmpd="sng" algn="ctr">
+                      <a:solidFill>
+                        <a:srgbClr val="CCCCCC"/>
+                      </a:solidFill>
+                      <a:prstDash val="solid"/>
+                      <a:round/>
+                      <a:headEnd type="none" w="med" len="med"/>
+                      <a:tailEnd type="none" w="med" len="med"/>
+                    </a:lnL>
+                    <a:lnR w="7620" cap="flat" cmpd="sng" algn="ctr">
+                      <a:solidFill>
+                        <a:srgbClr val="CCCCCC"/>
+                      </a:solidFill>
+                      <a:prstDash val="solid"/>
+                      <a:round/>
+                      <a:headEnd type="none" w="med" len="med"/>
+                      <a:tailEnd type="none" w="med" len="med"/>
+                    </a:lnR>
+                    <a:lnT w="7620" cap="flat" cmpd="sng" algn="ctr">
+                      <a:solidFill>
+                        <a:srgbClr val="CCCCCC"/>
+                      </a:solidFill>
+                      <a:prstDash val="solid"/>
+                      <a:round/>
+                      <a:headEnd type="none" w="med" len="med"/>
+                      <a:tailEnd type="none" w="med" len="med"/>
+                    </a:lnT>
+                    <a:lnB w="7620" cap="flat" cmpd="sng" algn="ctr">
+                      <a:solidFill>
+                        <a:srgbClr val="CCCCCC"/>
+                      </a:solidFill>
+                      <a:prstDash val="solid"/>
+                      <a:round/>
+                      <a:headEnd type="none" w="med" len="med"/>
+                      <a:tailEnd type="none" w="med" len="med"/>
+                    </a:lnB>
+                  </a:tcPr>
+                </a:tc>
+                <a:tc>
+                  <a:txBody>
+                    <a:bodyPr/>
+                    <a:lstStyle/>
+                    <a:p>
+                      <a:pPr rtl="0" fontAlgn="b"/>
+                      <a:r>
+                        <a:rPr lang="pl-PL" sz="1300" b="1">
+                          <a:effectLst/>
+                        </a:rPr>
+                        <a:t>Wykładowcy</a:t>
+                      </a:r>
+                    </a:p>
+                  </a:txBody>
+                  <a:tcPr marL="16083" marR="16083" marT="10722" marB="10722" anchor="b">
+                    <a:lnL w="7620" cap="flat" cmpd="sng" algn="ctr">
+                      <a:solidFill>
+                        <a:srgbClr val="CCCCCC"/>
+                      </a:solidFill>
+                      <a:prstDash val="solid"/>
+                      <a:round/>
+                      <a:headEnd type="none" w="med" len="med"/>
+                      <a:tailEnd type="none" w="med" len="med"/>
+                    </a:lnL>
+                    <a:lnR w="7620" cap="flat" cmpd="sng" algn="ctr">
+                      <a:solidFill>
+                        <a:srgbClr val="CCCCCC"/>
+                      </a:solidFill>
+                      <a:prstDash val="solid"/>
+                      <a:round/>
+                      <a:headEnd type="none" w="med" len="med"/>
+                      <a:tailEnd type="none" w="med" len="med"/>
+                    </a:lnR>
+                    <a:lnT w="7620" cap="flat" cmpd="sng" algn="ctr">
+                      <a:solidFill>
+                        <a:srgbClr val="CCCCCC"/>
+                      </a:solidFill>
+                      <a:prstDash val="solid"/>
+                      <a:round/>
+                      <a:headEnd type="none" w="med" len="med"/>
+                      <a:tailEnd type="none" w="med" len="med"/>
+                    </a:lnT>
+                    <a:lnB w="7620" cap="flat" cmpd="sng" algn="ctr">
+                      <a:solidFill>
+                        <a:srgbClr val="CCCCCC"/>
+                      </a:solidFill>
+                      <a:prstDash val="solid"/>
+                      <a:round/>
+                      <a:headEnd type="none" w="med" len="med"/>
+                      <a:tailEnd type="none" w="med" len="med"/>
+                    </a:lnB>
+                  </a:tcPr>
+                </a:tc>
+                <a:tc>
+                  <a:txBody>
+                    <a:bodyPr/>
+                    <a:lstStyle/>
+                    <a:p>
+                      <a:pPr rtl="0" fontAlgn="b"/>
+                      <a:r>
+                        <a:rPr lang="pl-PL" sz="1300" b="1">
+                          <a:effectLst/>
+                        </a:rPr>
+                        <a:t>Liczba godzin w sumie</a:t>
+                      </a:r>
+                    </a:p>
+                  </a:txBody>
+                  <a:tcPr marL="16083" marR="16083" marT="10722" marB="10722" anchor="b">
+                    <a:lnL w="7620" cap="flat" cmpd="sng" algn="ctr">
+                      <a:solidFill>
+                        <a:srgbClr val="CCCCCC"/>
+                      </a:solidFill>
+                      <a:prstDash val="solid"/>
+                      <a:round/>
+                      <a:headEnd type="none" w="med" len="med"/>
+                      <a:tailEnd type="none" w="med" len="med"/>
+                    </a:lnL>
+                    <a:lnR w="7620" cap="flat" cmpd="sng" algn="ctr">
+                      <a:solidFill>
+                        <a:srgbClr val="CCCCCC"/>
+                      </a:solidFill>
+                      <a:prstDash val="solid"/>
+                      <a:round/>
+                      <a:headEnd type="none" w="med" len="med"/>
+                      <a:tailEnd type="none" w="med" len="med"/>
+                    </a:lnR>
+                    <a:lnT w="7620" cap="flat" cmpd="sng" algn="ctr">
+                      <a:solidFill>
+                        <a:srgbClr val="CCCCCC"/>
+                      </a:solidFill>
+                      <a:prstDash val="solid"/>
+                      <a:round/>
+                      <a:headEnd type="none" w="med" len="med"/>
+                      <a:tailEnd type="none" w="med" len="med"/>
+                    </a:lnT>
+                    <a:lnB w="7620" cap="flat" cmpd="sng" algn="ctr">
+                      <a:solidFill>
+                        <a:srgbClr val="CCCCCC"/>
+                      </a:solidFill>
+                      <a:prstDash val="solid"/>
+                      <a:round/>
+                      <a:headEnd type="none" w="med" len="med"/>
+                      <a:tailEnd type="none" w="med" len="med"/>
+                    </a:lnB>
+                  </a:tcPr>
+                </a:tc>
+                <a:tc>
+                  <a:txBody>
+                    <a:bodyPr/>
+                    <a:lstStyle/>
+                    <a:p>
+                      <a:pPr rtl="0" fontAlgn="b"/>
+                      <a:r>
+                        <a:rPr lang="pl-PL" sz="1300">
+                          <a:effectLst/>
+                        </a:rPr>
+                        <a:t>Wykłady</a:t>
+                      </a:r>
+                    </a:p>
+                  </a:txBody>
+                  <a:tcPr marL="16083" marR="16083" marT="10722" marB="10722" anchor="b">
+                    <a:lnL w="7620" cap="flat" cmpd="sng" algn="ctr">
+                      <a:solidFill>
+                        <a:srgbClr val="CCCCCC"/>
+                      </a:solidFill>
+                      <a:prstDash val="solid"/>
+                      <a:round/>
+                      <a:headEnd type="none" w="med" len="med"/>
+                      <a:tailEnd type="none" w="med" len="med"/>
+                    </a:lnL>
+                    <a:lnR w="7620" cap="flat" cmpd="sng" algn="ctr">
+                      <a:solidFill>
+                        <a:srgbClr val="CCCCCC"/>
+                      </a:solidFill>
+                      <a:prstDash val="solid"/>
+                      <a:round/>
+                      <a:headEnd type="none" w="med" len="med"/>
+                      <a:tailEnd type="none" w="med" len="med"/>
+                    </a:lnR>
+                    <a:lnT w="7620" cap="flat" cmpd="sng" algn="ctr">
+                      <a:solidFill>
+                        <a:srgbClr val="CCCCCC"/>
+                      </a:solidFill>
+                      <a:prstDash val="solid"/>
+                      <a:round/>
+                      <a:headEnd type="none" w="med" len="med"/>
+                      <a:tailEnd type="none" w="med" len="med"/>
+                    </a:lnT>
+                    <a:lnB w="7620" cap="flat" cmpd="sng" algn="ctr">
+                      <a:solidFill>
+                        <a:srgbClr val="CCCCCC"/>
+                      </a:solidFill>
+                      <a:prstDash val="solid"/>
+                      <a:round/>
+                      <a:headEnd type="none" w="med" len="med"/>
+                      <a:tailEnd type="none" w="med" len="med"/>
+                    </a:lnB>
+                  </a:tcPr>
+                </a:tc>
+                <a:tc>
+                  <a:txBody>
+                    <a:bodyPr/>
+                    <a:lstStyle/>
+                    <a:p>
+                      <a:pPr rtl="0" fontAlgn="b"/>
+                      <a:r>
+                        <a:rPr lang="pl-PL" sz="1300">
+                          <a:effectLst/>
+                        </a:rPr>
+                        <a:t>Ćwiczenia / programowanie </a:t>
+                      </a:r>
+                    </a:p>
+                  </a:txBody>
+                  <a:tcPr marL="16083" marR="16083" marT="10722" marB="10722" anchor="b">
+                    <a:lnL w="7620" cap="flat" cmpd="sng" algn="ctr">
+                      <a:solidFill>
+                        <a:srgbClr val="CCCCCC"/>
+                      </a:solidFill>
+                      <a:prstDash val="solid"/>
+                      <a:round/>
+                      <a:headEnd type="none" w="med" len="med"/>
+                      <a:tailEnd type="none" w="med" len="med"/>
+                    </a:lnL>
+                    <a:lnR w="7620" cap="flat" cmpd="sng" algn="ctr">
+                      <a:solidFill>
+                        <a:srgbClr val="CCCCCC"/>
+                      </a:solidFill>
+                      <a:prstDash val="solid"/>
+                      <a:round/>
+                      <a:headEnd type="none" w="med" len="med"/>
+                      <a:tailEnd type="none" w="med" len="med"/>
+                    </a:lnR>
+                    <a:lnT w="7620" cap="flat" cmpd="sng" algn="ctr">
+                      <a:solidFill>
+                        <a:srgbClr val="CCCCCC"/>
+                      </a:solidFill>
+                      <a:prstDash val="solid"/>
+                      <a:round/>
+                      <a:headEnd type="none" w="med" len="med"/>
+                      <a:tailEnd type="none" w="med" len="med"/>
+                    </a:lnT>
+                    <a:lnB w="7620" cap="flat" cmpd="sng" algn="ctr">
+                      <a:solidFill>
+                        <a:srgbClr val="CCCCCC"/>
+                      </a:solidFill>
+                      <a:prstDash val="solid"/>
+                      <a:round/>
+                      <a:headEnd type="none" w="med" len="med"/>
+                      <a:tailEnd type="none" w="med" len="med"/>
+                    </a:lnB>
+                  </a:tcPr>
+                </a:tc>
+                <a:extLst>
+                  <a:ext uri="{0D108BD9-81ED-4DB2-BD59-A6C34878D82A}">
+                    <a16:rowId xmlns:a16="http://schemas.microsoft.com/office/drawing/2014/main" val="429591415"/>
+                  </a:ext>
+                </a:extLst>
+              </a:tr>
+              <a:tr h="448413">
+                <a:tc>
+                  <a:txBody>
+                    <a:bodyPr/>
+                    <a:lstStyle/>
+                    <a:p>
+                      <a:pPr rtl="0" fontAlgn="b"/>
+                      <a:r>
+                        <a:rPr lang="pl-PL" sz="1300" b="1">
+                          <a:effectLst/>
+                        </a:rPr>
+                        <a:t>Wstęp do programowania w Java dla testerów</a:t>
+                      </a:r>
+                    </a:p>
+                  </a:txBody>
+                  <a:tcPr marL="16083" marR="16083" marT="10722" marB="10722" anchor="b">
+                    <a:lnL w="7620" cap="flat" cmpd="sng" algn="ctr">
+                      <a:solidFill>
+                        <a:srgbClr val="CCCCCC"/>
+                      </a:solidFill>
+                      <a:prstDash val="solid"/>
+                      <a:round/>
+                      <a:headEnd type="none" w="med" len="med"/>
+                      <a:tailEnd type="none" w="med" len="med"/>
+                    </a:lnL>
+                    <a:lnR w="7620" cap="flat" cmpd="sng" algn="ctr">
+                      <a:solidFill>
+                        <a:srgbClr val="CCCCCC"/>
+                      </a:solidFill>
+                      <a:prstDash val="solid"/>
+                      <a:round/>
+                      <a:headEnd type="none" w="med" len="med"/>
+                      <a:tailEnd type="none" w="med" len="med"/>
+                    </a:lnR>
+                    <a:lnT w="7620" cap="flat" cmpd="sng" algn="ctr">
+                      <a:solidFill>
+                        <a:srgbClr val="CCCCCC"/>
+                      </a:solidFill>
+                      <a:prstDash val="solid"/>
+                      <a:round/>
+                      <a:headEnd type="none" w="med" len="med"/>
+                      <a:tailEnd type="none" w="med" len="med"/>
+                    </a:lnT>
+                    <a:lnB w="7620" cap="flat" cmpd="sng" algn="ctr">
+                      <a:solidFill>
+                        <a:srgbClr val="CCCCCC"/>
+                      </a:solidFill>
+                      <a:prstDash val="solid"/>
+                      <a:round/>
+                      <a:headEnd type="none" w="med" len="med"/>
+                      <a:tailEnd type="none" w="med" len="med"/>
+                    </a:lnB>
+                  </a:tcPr>
+                </a:tc>
+                <a:tc>
+                  <a:txBody>
+                    <a:bodyPr/>
+                    <a:lstStyle/>
+                    <a:p>
+                      <a:pPr rtl="0" fontAlgn="b"/>
+                      <a:r>
+                        <a:rPr lang="pl-PL" sz="1300" b="1">
+                          <a:effectLst/>
+                        </a:rPr>
+                        <a:t>Sławomir Radzymiński</a:t>
+                      </a:r>
+                    </a:p>
+                  </a:txBody>
+                  <a:tcPr marL="16083" marR="16083" marT="10722" marB="10722" anchor="b">
+                    <a:lnL w="7620" cap="flat" cmpd="sng" algn="ctr">
+                      <a:solidFill>
+                        <a:srgbClr val="CCCCCC"/>
+                      </a:solidFill>
+                      <a:prstDash val="solid"/>
+                      <a:round/>
+                      <a:headEnd type="none" w="med" len="med"/>
+                      <a:tailEnd type="none" w="med" len="med"/>
+                    </a:lnL>
+                    <a:lnR w="7620" cap="flat" cmpd="sng" algn="ctr">
+                      <a:solidFill>
+                        <a:srgbClr val="CCCCCC"/>
+                      </a:solidFill>
+                      <a:prstDash val="solid"/>
+                      <a:round/>
+                      <a:headEnd type="none" w="med" len="med"/>
+                      <a:tailEnd type="none" w="med" len="med"/>
+                    </a:lnR>
+                    <a:lnT w="7620" cap="flat" cmpd="sng" algn="ctr">
+                      <a:solidFill>
+                        <a:srgbClr val="CCCCCC"/>
+                      </a:solidFill>
+                      <a:prstDash val="solid"/>
+                      <a:round/>
+                      <a:headEnd type="none" w="med" len="med"/>
+                      <a:tailEnd type="none" w="med" len="med"/>
+                    </a:lnT>
+                    <a:lnB w="7620" cap="flat" cmpd="sng" algn="ctr">
+                      <a:solidFill>
+                        <a:srgbClr val="CCCCCC"/>
+                      </a:solidFill>
+                      <a:prstDash val="solid"/>
+                      <a:round/>
+                      <a:headEnd type="none" w="med" len="med"/>
+                      <a:tailEnd type="none" w="med" len="med"/>
+                    </a:lnB>
+                  </a:tcPr>
+                </a:tc>
+                <a:tc>
+                  <a:txBody>
+                    <a:bodyPr/>
+                    <a:lstStyle/>
+                    <a:p>
+                      <a:pPr algn="r" rtl="0" fontAlgn="b"/>
+                      <a:r>
+                        <a:rPr lang="pl-PL" sz="1300" b="1">
+                          <a:effectLst/>
+                        </a:rPr>
+                        <a:t>20</a:t>
+                      </a:r>
+                    </a:p>
+                  </a:txBody>
+                  <a:tcPr marL="16083" marR="16083" marT="10722" marB="10722" anchor="b">
+                    <a:lnL w="7620" cap="flat" cmpd="sng" algn="ctr">
+                      <a:solidFill>
+                        <a:srgbClr val="CCCCCC"/>
+                      </a:solidFill>
+                      <a:prstDash val="solid"/>
+                      <a:round/>
+                      <a:headEnd type="none" w="med" len="med"/>
+                      <a:tailEnd type="none" w="med" len="med"/>
+                    </a:lnL>
+                    <a:lnR w="7620" cap="flat" cmpd="sng" algn="ctr">
+                      <a:solidFill>
+                        <a:srgbClr val="CCCCCC"/>
+                      </a:solidFill>
+                      <a:prstDash val="solid"/>
+                      <a:round/>
+                      <a:headEnd type="none" w="med" len="med"/>
+                      <a:tailEnd type="none" w="med" len="med"/>
+                    </a:lnR>
+                    <a:lnT w="7620" cap="flat" cmpd="sng" algn="ctr">
+                      <a:solidFill>
+                        <a:srgbClr val="CCCCCC"/>
+                      </a:solidFill>
+                      <a:prstDash val="solid"/>
+                      <a:round/>
+                      <a:headEnd type="none" w="med" len="med"/>
+                      <a:tailEnd type="none" w="med" len="med"/>
+                    </a:lnT>
+                    <a:lnB w="7620" cap="flat" cmpd="sng" algn="ctr">
+                      <a:solidFill>
+                        <a:srgbClr val="CCCCCC"/>
+                      </a:solidFill>
+                      <a:prstDash val="solid"/>
+                      <a:round/>
+                      <a:headEnd type="none" w="med" len="med"/>
+                      <a:tailEnd type="none" w="med" len="med"/>
+                    </a:lnB>
+                  </a:tcPr>
+                </a:tc>
+                <a:tc>
+                  <a:txBody>
+                    <a:bodyPr/>
+                    <a:lstStyle/>
+                    <a:p>
+                      <a:pPr algn="r" rtl="0" fontAlgn="b"/>
+                      <a:r>
+                        <a:rPr lang="pl-PL" sz="1300" b="1">
+                          <a:effectLst/>
+                        </a:rPr>
+                        <a:t>6</a:t>
+                      </a:r>
+                    </a:p>
+                  </a:txBody>
+                  <a:tcPr marL="16083" marR="16083" marT="10722" marB="10722" anchor="b">
+                    <a:lnL w="7620" cap="flat" cmpd="sng" algn="ctr">
+                      <a:solidFill>
+                        <a:srgbClr val="CCCCCC"/>
+                      </a:solidFill>
+                      <a:prstDash val="solid"/>
+                      <a:round/>
+                      <a:headEnd type="none" w="med" len="med"/>
+                      <a:tailEnd type="none" w="med" len="med"/>
+                    </a:lnL>
+                    <a:lnR w="7620" cap="flat" cmpd="sng" algn="ctr">
+                      <a:solidFill>
+                        <a:srgbClr val="CCCCCC"/>
+                      </a:solidFill>
+                      <a:prstDash val="solid"/>
+                      <a:round/>
+                      <a:headEnd type="none" w="med" len="med"/>
+                      <a:tailEnd type="none" w="med" len="med"/>
+                    </a:lnR>
+                    <a:lnT w="7620" cap="flat" cmpd="sng" algn="ctr">
+                      <a:solidFill>
+                        <a:srgbClr val="CCCCCC"/>
+                      </a:solidFill>
+                      <a:prstDash val="solid"/>
+                      <a:round/>
+                      <a:headEnd type="none" w="med" len="med"/>
+                      <a:tailEnd type="none" w="med" len="med"/>
+                    </a:lnT>
+                    <a:lnB w="7620" cap="flat" cmpd="sng" algn="ctr">
+                      <a:solidFill>
+                        <a:srgbClr val="CCCCCC"/>
+                      </a:solidFill>
+                      <a:prstDash val="solid"/>
+                      <a:round/>
+                      <a:headEnd type="none" w="med" len="med"/>
+                      <a:tailEnd type="none" w="med" len="med"/>
+                    </a:lnB>
+                  </a:tcPr>
+                </a:tc>
+                <a:tc>
+                  <a:txBody>
+                    <a:bodyPr/>
+                    <a:lstStyle/>
+                    <a:p>
+                      <a:pPr algn="r" rtl="0" fontAlgn="b"/>
+                      <a:r>
+                        <a:rPr lang="pl-PL" sz="1300" b="1">
+                          <a:effectLst/>
+                        </a:rPr>
+                        <a:t>14</a:t>
+                      </a:r>
+                    </a:p>
+                  </a:txBody>
+                  <a:tcPr marL="16083" marR="16083" marT="10722" marB="10722" anchor="b">
+                    <a:lnL w="7620" cap="flat" cmpd="sng" algn="ctr">
+                      <a:solidFill>
+                        <a:srgbClr val="CCCCCC"/>
+                      </a:solidFill>
+                      <a:prstDash val="solid"/>
+                      <a:round/>
+                      <a:headEnd type="none" w="med" len="med"/>
+                      <a:tailEnd type="none" w="med" len="med"/>
+                    </a:lnL>
+                    <a:lnR w="7620" cap="flat" cmpd="sng" algn="ctr">
+                      <a:solidFill>
+                        <a:srgbClr val="CCCCCC"/>
+                      </a:solidFill>
+                      <a:prstDash val="solid"/>
+                      <a:round/>
+                      <a:headEnd type="none" w="med" len="med"/>
+                      <a:tailEnd type="none" w="med" len="med"/>
+                    </a:lnR>
+                    <a:lnT w="7620" cap="flat" cmpd="sng" algn="ctr">
+                      <a:solidFill>
+                        <a:srgbClr val="CCCCCC"/>
+                      </a:solidFill>
+                      <a:prstDash val="solid"/>
+                      <a:round/>
+                      <a:headEnd type="none" w="med" len="med"/>
+                      <a:tailEnd type="none" w="med" len="med"/>
+                    </a:lnT>
+                    <a:lnB w="7620" cap="flat" cmpd="sng" algn="ctr">
+                      <a:solidFill>
+                        <a:srgbClr val="CCCCCC"/>
+                      </a:solidFill>
+                      <a:prstDash val="solid"/>
+                      <a:round/>
+                      <a:headEnd type="none" w="med" len="med"/>
+                      <a:tailEnd type="none" w="med" len="med"/>
+                    </a:lnB>
+                  </a:tcPr>
+                </a:tc>
+                <a:extLst>
+                  <a:ext uri="{0D108BD9-81ED-4DB2-BD59-A6C34878D82A}">
+                    <a16:rowId xmlns:a16="http://schemas.microsoft.com/office/drawing/2014/main" val="3707661991"/>
+                  </a:ext>
+                </a:extLst>
+              </a:tr>
+              <a:tr h="235717">
+                <a:tc>
+                  <a:txBody>
+                    <a:bodyPr/>
+                    <a:lstStyle/>
+                    <a:p>
+                      <a:pPr rtl="0" fontAlgn="b"/>
+                      <a:endParaRPr lang="pl-PL" sz="1300">
+                        <a:effectLst/>
+                      </a:endParaRPr>
+                    </a:p>
+                  </a:txBody>
+                  <a:tcPr marL="16083" marR="16083" marT="10722" marB="10722" anchor="b">
+                    <a:lnL w="7620" cap="flat" cmpd="sng" algn="ctr">
+                      <a:solidFill>
+                        <a:srgbClr val="CCCCCC"/>
+                      </a:solidFill>
+                      <a:prstDash val="solid"/>
+                      <a:round/>
+                      <a:headEnd type="none" w="med" len="med"/>
+                      <a:tailEnd type="none" w="med" len="med"/>
+                    </a:lnL>
+                    <a:lnR w="7620" cap="flat" cmpd="sng" algn="ctr">
+                      <a:solidFill>
+                        <a:srgbClr val="CCCCCC"/>
+                      </a:solidFill>
+                      <a:prstDash val="solid"/>
+                      <a:round/>
+                      <a:headEnd type="none" w="med" len="med"/>
+                      <a:tailEnd type="none" w="med" len="med"/>
+                    </a:lnR>
+                    <a:lnT w="7620" cap="flat" cmpd="sng" algn="ctr">
+                      <a:solidFill>
+                        <a:srgbClr val="CCCCCC"/>
+                      </a:solidFill>
+                      <a:prstDash val="solid"/>
+                      <a:round/>
+                      <a:headEnd type="none" w="med" len="med"/>
+                      <a:tailEnd type="none" w="med" len="med"/>
+                    </a:lnT>
+                    <a:lnB w="7620" cap="flat" cmpd="sng" algn="ctr">
+                      <a:solidFill>
+                        <a:srgbClr val="CCCCCC"/>
+                      </a:solidFill>
+                      <a:prstDash val="solid"/>
+                      <a:round/>
+                      <a:headEnd type="none" w="med" len="med"/>
+                      <a:tailEnd type="none" w="med" len="med"/>
+                    </a:lnB>
+                  </a:tcPr>
+                </a:tc>
+                <a:tc>
+                  <a:txBody>
+                    <a:bodyPr/>
+                    <a:lstStyle/>
+                    <a:p>
+                      <a:pPr rtl="0" fontAlgn="b"/>
+                      <a:endParaRPr lang="pl-PL" sz="1300">
+                        <a:effectLst/>
+                      </a:endParaRPr>
+                    </a:p>
+                  </a:txBody>
+                  <a:tcPr marL="16083" marR="16083" marT="10722" marB="10722" anchor="b">
+                    <a:lnL w="7620" cap="flat" cmpd="sng" algn="ctr">
+                      <a:solidFill>
+                        <a:srgbClr val="CCCCCC"/>
+                      </a:solidFill>
+                      <a:prstDash val="solid"/>
+                      <a:round/>
+                      <a:headEnd type="none" w="med" len="med"/>
+                      <a:tailEnd type="none" w="med" len="med"/>
+                    </a:lnL>
+                    <a:lnR w="7620" cap="flat" cmpd="sng" algn="ctr">
+                      <a:solidFill>
+                        <a:srgbClr val="CCCCCC"/>
+                      </a:solidFill>
+                      <a:prstDash val="solid"/>
+                      <a:round/>
+                      <a:headEnd type="none" w="med" len="med"/>
+                      <a:tailEnd type="none" w="med" len="med"/>
+                    </a:lnR>
+                    <a:lnT w="7620" cap="flat" cmpd="sng" algn="ctr">
+                      <a:solidFill>
+                        <a:srgbClr val="CCCCCC"/>
+                      </a:solidFill>
+                      <a:prstDash val="solid"/>
+                      <a:round/>
+                      <a:headEnd type="none" w="med" len="med"/>
+                      <a:tailEnd type="none" w="med" len="med"/>
+                    </a:lnT>
+                    <a:lnB w="7620" cap="flat" cmpd="sng" algn="ctr">
+                      <a:solidFill>
+                        <a:srgbClr val="CCCCCC"/>
+                      </a:solidFill>
+                      <a:prstDash val="solid"/>
+                      <a:round/>
+                      <a:headEnd type="none" w="med" len="med"/>
+                      <a:tailEnd type="none" w="med" len="med"/>
+                    </a:lnB>
+                  </a:tcPr>
+                </a:tc>
+                <a:tc>
+                  <a:txBody>
+                    <a:bodyPr/>
+                    <a:lstStyle/>
+                    <a:p>
+                      <a:pPr rtl="0" fontAlgn="b"/>
+                      <a:endParaRPr lang="pl-PL" sz="1300">
+                        <a:effectLst/>
+                      </a:endParaRPr>
+                    </a:p>
+                  </a:txBody>
+                  <a:tcPr marL="16083" marR="16083" marT="10722" marB="10722" anchor="b">
+                    <a:lnL w="7620" cap="flat" cmpd="sng" algn="ctr">
+                      <a:solidFill>
+                        <a:srgbClr val="CCCCCC"/>
+                      </a:solidFill>
+                      <a:prstDash val="solid"/>
+                      <a:round/>
+                      <a:headEnd type="none" w="med" len="med"/>
+                      <a:tailEnd type="none" w="med" len="med"/>
+                    </a:lnL>
+                    <a:lnR w="7620" cap="flat" cmpd="sng" algn="ctr">
+                      <a:solidFill>
+                        <a:srgbClr val="CCCCCC"/>
+                      </a:solidFill>
+                      <a:prstDash val="solid"/>
+                      <a:round/>
+                      <a:headEnd type="none" w="med" len="med"/>
+                      <a:tailEnd type="none" w="med" len="med"/>
+                    </a:lnR>
+                    <a:lnT w="7620" cap="flat" cmpd="sng" algn="ctr">
+                      <a:solidFill>
+                        <a:srgbClr val="CCCCCC"/>
+                      </a:solidFill>
+                      <a:prstDash val="solid"/>
+                      <a:round/>
+                      <a:headEnd type="none" w="med" len="med"/>
+                      <a:tailEnd type="none" w="med" len="med"/>
+                    </a:lnT>
+                    <a:lnB w="7620" cap="flat" cmpd="sng" algn="ctr">
+                      <a:solidFill>
+                        <a:srgbClr val="CCCCCC"/>
+                      </a:solidFill>
+                      <a:prstDash val="solid"/>
+                      <a:round/>
+                      <a:headEnd type="none" w="med" len="med"/>
+                      <a:tailEnd type="none" w="med" len="med"/>
+                    </a:lnB>
+                  </a:tcPr>
+                </a:tc>
+                <a:tc>
+                  <a:txBody>
+                    <a:bodyPr/>
+                    <a:lstStyle/>
+                    <a:p>
+                      <a:pPr rtl="0" fontAlgn="b"/>
+                      <a:endParaRPr lang="pl-PL" sz="1300">
+                        <a:effectLst/>
+                      </a:endParaRPr>
+                    </a:p>
+                  </a:txBody>
+                  <a:tcPr marL="16083" marR="16083" marT="10722" marB="10722" anchor="b">
+                    <a:lnL w="7620" cap="flat" cmpd="sng" algn="ctr">
+                      <a:solidFill>
+                        <a:srgbClr val="CCCCCC"/>
+                      </a:solidFill>
+                      <a:prstDash val="solid"/>
+                      <a:round/>
+                      <a:headEnd type="none" w="med" len="med"/>
+                      <a:tailEnd type="none" w="med" len="med"/>
+                    </a:lnL>
+                    <a:lnR w="7620" cap="flat" cmpd="sng" algn="ctr">
+                      <a:solidFill>
+                        <a:srgbClr val="CCCCCC"/>
+                      </a:solidFill>
+                      <a:prstDash val="solid"/>
+                      <a:round/>
+                      <a:headEnd type="none" w="med" len="med"/>
+                      <a:tailEnd type="none" w="med" len="med"/>
+                    </a:lnR>
+                    <a:lnT w="7620" cap="flat" cmpd="sng" algn="ctr">
+                      <a:solidFill>
+                        <a:srgbClr val="CCCCCC"/>
+                      </a:solidFill>
+                      <a:prstDash val="solid"/>
+                      <a:round/>
+                      <a:headEnd type="none" w="med" len="med"/>
+                      <a:tailEnd type="none" w="med" len="med"/>
+                    </a:lnT>
+                    <a:lnB w="7620" cap="flat" cmpd="sng" algn="ctr">
+                      <a:solidFill>
+                        <a:srgbClr val="CCCCCC"/>
+                      </a:solidFill>
+                      <a:prstDash val="solid"/>
+                      <a:round/>
+                      <a:headEnd type="none" w="med" len="med"/>
+                      <a:tailEnd type="none" w="med" len="med"/>
+                    </a:lnB>
+                  </a:tcPr>
+                </a:tc>
+                <a:tc>
+                  <a:txBody>
+                    <a:bodyPr/>
+                    <a:lstStyle/>
+                    <a:p>
+                      <a:pPr rtl="0" fontAlgn="b"/>
+                      <a:endParaRPr lang="pl-PL" sz="1300">
+                        <a:effectLst/>
+                      </a:endParaRPr>
+                    </a:p>
+                  </a:txBody>
+                  <a:tcPr marL="16083" marR="16083" marT="10722" marB="10722" anchor="b">
+                    <a:lnL w="7620" cap="flat" cmpd="sng" algn="ctr">
+                      <a:solidFill>
+                        <a:srgbClr val="CCCCCC"/>
+                      </a:solidFill>
+                      <a:prstDash val="solid"/>
+                      <a:round/>
+                      <a:headEnd type="none" w="med" len="med"/>
+                      <a:tailEnd type="none" w="med" len="med"/>
+                    </a:lnL>
+                    <a:lnR w="7620" cap="flat" cmpd="sng" algn="ctr">
+                      <a:solidFill>
+                        <a:srgbClr val="CCCCCC"/>
+                      </a:solidFill>
+                      <a:prstDash val="solid"/>
+                      <a:round/>
+                      <a:headEnd type="none" w="med" len="med"/>
+                      <a:tailEnd type="none" w="med" len="med"/>
+                    </a:lnR>
+                    <a:lnT w="7620" cap="flat" cmpd="sng" algn="ctr">
+                      <a:solidFill>
+                        <a:srgbClr val="CCCCCC"/>
+                      </a:solidFill>
+                      <a:prstDash val="solid"/>
+                      <a:round/>
+                      <a:headEnd type="none" w="med" len="med"/>
+                      <a:tailEnd type="none" w="med" len="med"/>
+                    </a:lnT>
+                    <a:lnB w="7620" cap="flat" cmpd="sng" algn="ctr">
+                      <a:solidFill>
+                        <a:srgbClr val="CCCCCC"/>
+                      </a:solidFill>
+                      <a:prstDash val="solid"/>
+                      <a:round/>
+                      <a:headEnd type="none" w="med" len="med"/>
+                      <a:tailEnd type="none" w="med" len="med"/>
+                    </a:lnB>
+                  </a:tcPr>
+                </a:tc>
+                <a:extLst>
+                  <a:ext uri="{0D108BD9-81ED-4DB2-BD59-A6C34878D82A}">
+                    <a16:rowId xmlns:a16="http://schemas.microsoft.com/office/drawing/2014/main" val="1707046305"/>
+                  </a:ext>
+                </a:extLst>
+              </a:tr>
+              <a:tr h="235717">
+                <a:tc>
+                  <a:txBody>
+                    <a:bodyPr/>
+                    <a:lstStyle/>
+                    <a:p>
+                      <a:pPr rtl="0" fontAlgn="b"/>
+                      <a:r>
+                        <a:rPr lang="pl-PL" sz="1300" b="1">
+                          <a:effectLst/>
+                        </a:rPr>
+                        <a:t>Temat</a:t>
+                      </a:r>
+                    </a:p>
+                  </a:txBody>
+                  <a:tcPr marL="16083" marR="16083" marT="10722" marB="10722" anchor="b">
+                    <a:lnL w="7620" cap="flat" cmpd="sng" algn="ctr">
+                      <a:solidFill>
+                        <a:srgbClr val="CCCCCC"/>
+                      </a:solidFill>
+                      <a:prstDash val="solid"/>
+                      <a:round/>
+                      <a:headEnd type="none" w="med" len="med"/>
+                      <a:tailEnd type="none" w="med" len="med"/>
+                    </a:lnL>
+                    <a:lnR w="7620" cap="flat" cmpd="sng" algn="ctr">
+                      <a:solidFill>
+                        <a:srgbClr val="CCCCCC"/>
+                      </a:solidFill>
+                      <a:prstDash val="solid"/>
+                      <a:round/>
+                      <a:headEnd type="none" w="med" len="med"/>
+                      <a:tailEnd type="none" w="med" len="med"/>
+                    </a:lnR>
+                    <a:lnT w="7620" cap="flat" cmpd="sng" algn="ctr">
+                      <a:solidFill>
+                        <a:srgbClr val="CCCCCC"/>
+                      </a:solidFill>
+                      <a:prstDash val="solid"/>
+                      <a:round/>
+                      <a:headEnd type="none" w="med" len="med"/>
+                      <a:tailEnd type="none" w="med" len="med"/>
+                    </a:lnT>
+                    <a:lnB w="7620" cap="flat" cmpd="sng" algn="ctr">
+                      <a:solidFill>
+                        <a:srgbClr val="CCCCCC"/>
+                      </a:solidFill>
+                      <a:prstDash val="solid"/>
+                      <a:round/>
+                      <a:headEnd type="none" w="med" len="med"/>
+                      <a:tailEnd type="none" w="med" len="med"/>
+                    </a:lnB>
+                  </a:tcPr>
+                </a:tc>
+                <a:tc>
+                  <a:txBody>
+                    <a:bodyPr/>
+                    <a:lstStyle/>
+                    <a:p>
+                      <a:pPr rtl="0" fontAlgn="b"/>
+                      <a:r>
+                        <a:rPr lang="pl-PL" sz="1300" b="1">
+                          <a:effectLst/>
+                        </a:rPr>
+                        <a:t>Realizacja</a:t>
+                      </a:r>
+                    </a:p>
+                  </a:txBody>
+                  <a:tcPr marL="16083" marR="16083" marT="10722" marB="10722" anchor="b">
+                    <a:lnL w="7620" cap="flat" cmpd="sng" algn="ctr">
+                      <a:solidFill>
+                        <a:srgbClr val="CCCCCC"/>
+                      </a:solidFill>
+                      <a:prstDash val="solid"/>
+                      <a:round/>
+                      <a:headEnd type="none" w="med" len="med"/>
+                      <a:tailEnd type="none" w="med" len="med"/>
+                    </a:lnL>
+                    <a:lnR w="7620" cap="flat" cmpd="sng" algn="ctr">
+                      <a:solidFill>
+                        <a:srgbClr val="CCCCCC"/>
+                      </a:solidFill>
+                      <a:prstDash val="solid"/>
+                      <a:round/>
+                      <a:headEnd type="none" w="med" len="med"/>
+                      <a:tailEnd type="none" w="med" len="med"/>
+                    </a:lnR>
+                    <a:lnT w="7620" cap="flat" cmpd="sng" algn="ctr">
+                      <a:solidFill>
+                        <a:srgbClr val="CCCCCC"/>
+                      </a:solidFill>
+                      <a:prstDash val="solid"/>
+                      <a:round/>
+                      <a:headEnd type="none" w="med" len="med"/>
+                      <a:tailEnd type="none" w="med" len="med"/>
+                    </a:lnT>
+                    <a:lnB w="7620" cap="flat" cmpd="sng" algn="ctr">
+                      <a:solidFill>
+                        <a:srgbClr val="CCCCCC"/>
+                      </a:solidFill>
+                      <a:prstDash val="solid"/>
+                      <a:round/>
+                      <a:headEnd type="none" w="med" len="med"/>
+                      <a:tailEnd type="none" w="med" len="med"/>
+                    </a:lnB>
+                  </a:tcPr>
+                </a:tc>
+                <a:tc>
+                  <a:txBody>
+                    <a:bodyPr/>
+                    <a:lstStyle/>
+                    <a:p>
+                      <a:pPr rtl="0" fontAlgn="b"/>
+                      <a:endParaRPr lang="pl-PL" sz="1300">
+                        <a:effectLst/>
+                      </a:endParaRPr>
+                    </a:p>
+                  </a:txBody>
+                  <a:tcPr marL="16083" marR="16083" marT="10722" marB="10722" anchor="b">
+                    <a:lnL w="7620" cap="flat" cmpd="sng" algn="ctr">
+                      <a:solidFill>
+                        <a:srgbClr val="CCCCCC"/>
+                      </a:solidFill>
+                      <a:prstDash val="solid"/>
+                      <a:round/>
+                      <a:headEnd type="none" w="med" len="med"/>
+                      <a:tailEnd type="none" w="med" len="med"/>
+                    </a:lnL>
+                    <a:lnR w="7620" cap="flat" cmpd="sng" algn="ctr">
+                      <a:solidFill>
+                        <a:srgbClr val="CCCCCC"/>
+                      </a:solidFill>
+                      <a:prstDash val="solid"/>
+                      <a:round/>
+                      <a:headEnd type="none" w="med" len="med"/>
+                      <a:tailEnd type="none" w="med" len="med"/>
+                    </a:lnR>
+                    <a:lnT w="7620" cap="flat" cmpd="sng" algn="ctr">
+                      <a:solidFill>
+                        <a:srgbClr val="CCCCCC"/>
+                      </a:solidFill>
+                      <a:prstDash val="solid"/>
+                      <a:round/>
+                      <a:headEnd type="none" w="med" len="med"/>
+                      <a:tailEnd type="none" w="med" len="med"/>
+                    </a:lnT>
+                    <a:lnB w="7620" cap="flat" cmpd="sng" algn="ctr">
+                      <a:solidFill>
+                        <a:srgbClr val="CCCCCC"/>
+                      </a:solidFill>
+                      <a:prstDash val="solid"/>
+                      <a:round/>
+                      <a:headEnd type="none" w="med" len="med"/>
+                      <a:tailEnd type="none" w="med" len="med"/>
+                    </a:lnB>
+                  </a:tcPr>
+                </a:tc>
+                <a:tc>
+                  <a:txBody>
+                    <a:bodyPr/>
+                    <a:lstStyle/>
+                    <a:p>
+                      <a:pPr rtl="0" fontAlgn="b"/>
+                      <a:endParaRPr lang="pl-PL" sz="1300">
+                        <a:effectLst/>
+                      </a:endParaRPr>
+                    </a:p>
+                  </a:txBody>
+                  <a:tcPr marL="16083" marR="16083" marT="10722" marB="10722" anchor="b">
+                    <a:lnL w="7620" cap="flat" cmpd="sng" algn="ctr">
+                      <a:solidFill>
+                        <a:srgbClr val="CCCCCC"/>
+                      </a:solidFill>
+                      <a:prstDash val="solid"/>
+                      <a:round/>
+                      <a:headEnd type="none" w="med" len="med"/>
+                      <a:tailEnd type="none" w="med" len="med"/>
+                    </a:lnL>
+                    <a:lnR w="7620" cap="flat" cmpd="sng" algn="ctr">
+                      <a:solidFill>
+                        <a:srgbClr val="CCCCCC"/>
+                      </a:solidFill>
+                      <a:prstDash val="solid"/>
+                      <a:round/>
+                      <a:headEnd type="none" w="med" len="med"/>
+                      <a:tailEnd type="none" w="med" len="med"/>
+                    </a:lnR>
+                    <a:lnT w="7620" cap="flat" cmpd="sng" algn="ctr">
+                      <a:solidFill>
+                        <a:srgbClr val="CCCCCC"/>
+                      </a:solidFill>
+                      <a:prstDash val="solid"/>
+                      <a:round/>
+                      <a:headEnd type="none" w="med" len="med"/>
+                      <a:tailEnd type="none" w="med" len="med"/>
+                    </a:lnT>
+                    <a:lnB w="7620" cap="flat" cmpd="sng" algn="ctr">
+                      <a:solidFill>
+                        <a:srgbClr val="CCCCCC"/>
+                      </a:solidFill>
+                      <a:prstDash val="solid"/>
+                      <a:round/>
+                      <a:headEnd type="none" w="med" len="med"/>
+                      <a:tailEnd type="none" w="med" len="med"/>
+                    </a:lnB>
+                  </a:tcPr>
+                </a:tc>
+                <a:tc>
+                  <a:txBody>
+                    <a:bodyPr/>
+                    <a:lstStyle/>
+                    <a:p>
+                      <a:pPr rtl="0" fontAlgn="b"/>
+                      <a:endParaRPr lang="pl-PL" sz="1300">
+                        <a:effectLst/>
+                      </a:endParaRPr>
+                    </a:p>
+                  </a:txBody>
+                  <a:tcPr marL="16083" marR="16083" marT="10722" marB="10722" anchor="b">
+                    <a:lnL w="7620" cap="flat" cmpd="sng" algn="ctr">
+                      <a:solidFill>
+                        <a:srgbClr val="CCCCCC"/>
+                      </a:solidFill>
+                      <a:prstDash val="solid"/>
+                      <a:round/>
+                      <a:headEnd type="none" w="med" len="med"/>
+                      <a:tailEnd type="none" w="med" len="med"/>
+                    </a:lnL>
+                    <a:lnR w="7620" cap="flat" cmpd="sng" algn="ctr">
+                      <a:solidFill>
+                        <a:srgbClr val="CCCCCC"/>
+                      </a:solidFill>
+                      <a:prstDash val="solid"/>
+                      <a:round/>
+                      <a:headEnd type="none" w="med" len="med"/>
+                      <a:tailEnd type="none" w="med" len="med"/>
+                    </a:lnR>
+                    <a:lnT w="7620" cap="flat" cmpd="sng" algn="ctr">
+                      <a:solidFill>
+                        <a:srgbClr val="CCCCCC"/>
+                      </a:solidFill>
+                      <a:prstDash val="solid"/>
+                      <a:round/>
+                      <a:headEnd type="none" w="med" len="med"/>
+                      <a:tailEnd type="none" w="med" len="med"/>
+                    </a:lnT>
+                    <a:lnB w="7620" cap="flat" cmpd="sng" algn="ctr">
+                      <a:solidFill>
+                        <a:srgbClr val="CCCCCC"/>
+                      </a:solidFill>
+                      <a:prstDash val="solid"/>
+                      <a:round/>
+                      <a:headEnd type="none" w="med" len="med"/>
+                      <a:tailEnd type="none" w="med" len="med"/>
+                    </a:lnB>
+                  </a:tcPr>
+                </a:tc>
+                <a:extLst>
+                  <a:ext uri="{0D108BD9-81ED-4DB2-BD59-A6C34878D82A}">
+                    <a16:rowId xmlns:a16="http://schemas.microsoft.com/office/drawing/2014/main" val="361811430"/>
+                  </a:ext>
+                </a:extLst>
+              </a:tr>
+              <a:tr h="870388">
+                <a:tc>
+                  <a:txBody>
+                    <a:bodyPr/>
+                    <a:lstStyle/>
+                    <a:p>
+                      <a:pPr rtl="0" fontAlgn="b"/>
+                      <a:r>
+                        <a:rPr lang="pl-PL" sz="1300" dirty="0">
+                          <a:effectLst/>
+                        </a:rPr>
+                        <a:t>Narzędzia pracy programisty (środowisko programistyczne, repozytorium kodu)</a:t>
+                      </a:r>
+                    </a:p>
+                  </a:txBody>
+                  <a:tcPr marL="16083" marR="16083" marT="10722" marB="10722" anchor="b">
+                    <a:lnL w="7620" cap="flat" cmpd="sng" algn="ctr">
+                      <a:solidFill>
+                        <a:srgbClr val="CCCCCC"/>
+                      </a:solidFill>
+                      <a:prstDash val="solid"/>
+                      <a:round/>
+                      <a:headEnd type="none" w="med" len="med"/>
+                      <a:tailEnd type="none" w="med" len="med"/>
+                    </a:lnL>
+                    <a:lnR w="7620" cap="flat" cmpd="sng" algn="ctr">
+                      <a:solidFill>
+                        <a:srgbClr val="CCCCCC"/>
+                      </a:solidFill>
+                      <a:prstDash val="solid"/>
+                      <a:round/>
+                      <a:headEnd type="none" w="med" len="med"/>
+                      <a:tailEnd type="none" w="med" len="med"/>
+                    </a:lnR>
+                    <a:lnT w="7620" cap="flat" cmpd="sng" algn="ctr">
+                      <a:solidFill>
+                        <a:srgbClr val="CCCCCC"/>
+                      </a:solidFill>
+                      <a:prstDash val="solid"/>
+                      <a:round/>
+                      <a:headEnd type="none" w="med" len="med"/>
+                      <a:tailEnd type="none" w="med" len="med"/>
+                    </a:lnT>
+                    <a:lnB w="7620" cap="flat" cmpd="sng" algn="ctr">
+                      <a:solidFill>
+                        <a:srgbClr val="CCCCCC"/>
+                      </a:solidFill>
+                      <a:prstDash val="solid"/>
+                      <a:round/>
+                      <a:headEnd type="none" w="med" len="med"/>
+                      <a:tailEnd type="none" w="med" len="med"/>
+                    </a:lnB>
+                  </a:tcPr>
+                </a:tc>
+                <a:tc>
+                  <a:txBody>
+                    <a:bodyPr/>
+                    <a:lstStyle/>
+                    <a:p>
+                      <a:pPr rtl="0" fontAlgn="b"/>
+                      <a:endParaRPr lang="pl-PL" sz="1300">
+                        <a:effectLst/>
+                      </a:endParaRPr>
+                    </a:p>
+                  </a:txBody>
+                  <a:tcPr marL="16083" marR="16083" marT="10722" marB="10722" anchor="b">
+                    <a:lnL w="7620" cap="flat" cmpd="sng" algn="ctr">
+                      <a:solidFill>
+                        <a:srgbClr val="CCCCCC"/>
+                      </a:solidFill>
+                      <a:prstDash val="solid"/>
+                      <a:round/>
+                      <a:headEnd type="none" w="med" len="med"/>
+                      <a:tailEnd type="none" w="med" len="med"/>
+                    </a:lnL>
+                    <a:lnR w="7620" cap="flat" cmpd="sng" algn="ctr">
+                      <a:solidFill>
+                        <a:srgbClr val="CCCCCC"/>
+                      </a:solidFill>
+                      <a:prstDash val="solid"/>
+                      <a:round/>
+                      <a:headEnd type="none" w="med" len="med"/>
+                      <a:tailEnd type="none" w="med" len="med"/>
+                    </a:lnR>
+                    <a:lnT w="7620" cap="flat" cmpd="sng" algn="ctr">
+                      <a:solidFill>
+                        <a:srgbClr val="CCCCCC"/>
+                      </a:solidFill>
+                      <a:prstDash val="solid"/>
+                      <a:round/>
+                      <a:headEnd type="none" w="med" len="med"/>
+                      <a:tailEnd type="none" w="med" len="med"/>
+                    </a:lnT>
+                    <a:lnB w="7620" cap="flat" cmpd="sng" algn="ctr">
+                      <a:solidFill>
+                        <a:srgbClr val="CCCCCC"/>
+                      </a:solidFill>
+                      <a:prstDash val="solid"/>
+                      <a:round/>
+                      <a:headEnd type="none" w="med" len="med"/>
+                      <a:tailEnd type="none" w="med" len="med"/>
+                    </a:lnB>
+                  </a:tcPr>
+                </a:tc>
+                <a:tc>
+                  <a:txBody>
+                    <a:bodyPr/>
+                    <a:lstStyle/>
+                    <a:p>
+                      <a:pPr algn="r" rtl="0" fontAlgn="b"/>
+                      <a:r>
+                        <a:rPr lang="pl-PL" sz="1300">
+                          <a:effectLst/>
+                        </a:rPr>
+                        <a:t>4</a:t>
+                      </a:r>
+                    </a:p>
+                  </a:txBody>
+                  <a:tcPr marL="16083" marR="16083" marT="10722" marB="10722" anchor="b">
+                    <a:lnL w="7620" cap="flat" cmpd="sng" algn="ctr">
+                      <a:solidFill>
+                        <a:srgbClr val="CCCCCC"/>
+                      </a:solidFill>
+                      <a:prstDash val="solid"/>
+                      <a:round/>
+                      <a:headEnd type="none" w="med" len="med"/>
+                      <a:tailEnd type="none" w="med" len="med"/>
+                    </a:lnL>
+                    <a:lnR w="7620" cap="flat" cmpd="sng" algn="ctr">
+                      <a:solidFill>
+                        <a:srgbClr val="CCCCCC"/>
+                      </a:solidFill>
+                      <a:prstDash val="solid"/>
+                      <a:round/>
+                      <a:headEnd type="none" w="med" len="med"/>
+                      <a:tailEnd type="none" w="med" len="med"/>
+                    </a:lnR>
+                    <a:lnT w="7620" cap="flat" cmpd="sng" algn="ctr">
+                      <a:solidFill>
+                        <a:srgbClr val="CCCCCC"/>
+                      </a:solidFill>
+                      <a:prstDash val="solid"/>
+                      <a:round/>
+                      <a:headEnd type="none" w="med" len="med"/>
+                      <a:tailEnd type="none" w="med" len="med"/>
+                    </a:lnT>
+                    <a:lnB w="7620" cap="flat" cmpd="sng" algn="ctr">
+                      <a:solidFill>
+                        <a:srgbClr val="CCCCCC"/>
+                      </a:solidFill>
+                      <a:prstDash val="solid"/>
+                      <a:round/>
+                      <a:headEnd type="none" w="med" len="med"/>
+                      <a:tailEnd type="none" w="med" len="med"/>
+                    </a:lnB>
+                  </a:tcPr>
+                </a:tc>
+                <a:tc>
+                  <a:txBody>
+                    <a:bodyPr/>
+                    <a:lstStyle/>
+                    <a:p>
+                      <a:pPr algn="r" rtl="0" fontAlgn="b"/>
+                      <a:r>
+                        <a:rPr lang="pl-PL" sz="1300">
+                          <a:effectLst/>
+                        </a:rPr>
+                        <a:t>1</a:t>
+                      </a:r>
+                    </a:p>
+                  </a:txBody>
+                  <a:tcPr marL="16083" marR="16083" marT="10722" marB="10722" anchor="b">
+                    <a:lnL w="7620" cap="flat" cmpd="sng" algn="ctr">
+                      <a:solidFill>
+                        <a:srgbClr val="CCCCCC"/>
+                      </a:solidFill>
+                      <a:prstDash val="solid"/>
+                      <a:round/>
+                      <a:headEnd type="none" w="med" len="med"/>
+                      <a:tailEnd type="none" w="med" len="med"/>
+                    </a:lnL>
+                    <a:lnR w="7620" cap="flat" cmpd="sng" algn="ctr">
+                      <a:solidFill>
+                        <a:srgbClr val="CCCCCC"/>
+                      </a:solidFill>
+                      <a:prstDash val="solid"/>
+                      <a:round/>
+                      <a:headEnd type="none" w="med" len="med"/>
+                      <a:tailEnd type="none" w="med" len="med"/>
+                    </a:lnR>
+                    <a:lnT w="7620" cap="flat" cmpd="sng" algn="ctr">
+                      <a:solidFill>
+                        <a:srgbClr val="CCCCCC"/>
+                      </a:solidFill>
+                      <a:prstDash val="solid"/>
+                      <a:round/>
+                      <a:headEnd type="none" w="med" len="med"/>
+                      <a:tailEnd type="none" w="med" len="med"/>
+                    </a:lnT>
+                    <a:lnB w="7620" cap="flat" cmpd="sng" algn="ctr">
+                      <a:solidFill>
+                        <a:srgbClr val="CCCCCC"/>
+                      </a:solidFill>
+                      <a:prstDash val="solid"/>
+                      <a:round/>
+                      <a:headEnd type="none" w="med" len="med"/>
+                      <a:tailEnd type="none" w="med" len="med"/>
+                    </a:lnB>
+                  </a:tcPr>
+                </a:tc>
+                <a:tc>
+                  <a:txBody>
+                    <a:bodyPr/>
+                    <a:lstStyle/>
+                    <a:p>
+                      <a:pPr algn="r" rtl="0" fontAlgn="b"/>
+                      <a:r>
+                        <a:rPr lang="pl-PL" sz="1300">
+                          <a:effectLst/>
+                        </a:rPr>
+                        <a:t>3</a:t>
+                      </a:r>
+                    </a:p>
+                  </a:txBody>
+                  <a:tcPr marL="16083" marR="16083" marT="10722" marB="10722" anchor="b">
+                    <a:lnL w="7620" cap="flat" cmpd="sng" algn="ctr">
+                      <a:solidFill>
+                        <a:srgbClr val="CCCCCC"/>
+                      </a:solidFill>
+                      <a:prstDash val="solid"/>
+                      <a:round/>
+                      <a:headEnd type="none" w="med" len="med"/>
+                      <a:tailEnd type="none" w="med" len="med"/>
+                    </a:lnL>
+                    <a:lnR w="7620" cap="flat" cmpd="sng" algn="ctr">
+                      <a:solidFill>
+                        <a:srgbClr val="CCCCCC"/>
+                      </a:solidFill>
+                      <a:prstDash val="solid"/>
+                      <a:round/>
+                      <a:headEnd type="none" w="med" len="med"/>
+                      <a:tailEnd type="none" w="med" len="med"/>
+                    </a:lnR>
+                    <a:lnT w="7620" cap="flat" cmpd="sng" algn="ctr">
+                      <a:solidFill>
+                        <a:srgbClr val="CCCCCC"/>
+                      </a:solidFill>
+                      <a:prstDash val="solid"/>
+                      <a:round/>
+                      <a:headEnd type="none" w="med" len="med"/>
+                      <a:tailEnd type="none" w="med" len="med"/>
+                    </a:lnT>
+                    <a:lnB w="7620" cap="flat" cmpd="sng" algn="ctr">
+                      <a:solidFill>
+                        <a:srgbClr val="CCCCCC"/>
+                      </a:solidFill>
+                      <a:prstDash val="solid"/>
+                      <a:round/>
+                      <a:headEnd type="none" w="med" len="med"/>
+                      <a:tailEnd type="none" w="med" len="med"/>
+                    </a:lnB>
+                  </a:tcPr>
+                </a:tc>
+                <a:extLst>
+                  <a:ext uri="{0D108BD9-81ED-4DB2-BD59-A6C34878D82A}">
+                    <a16:rowId xmlns:a16="http://schemas.microsoft.com/office/drawing/2014/main" val="3559888864"/>
+                  </a:ext>
+                </a:extLst>
+              </a:tr>
+              <a:tr h="705395">
+                <a:tc>
+                  <a:txBody>
+                    <a:bodyPr/>
+                    <a:lstStyle/>
+                    <a:p>
+                      <a:pPr rtl="0" fontAlgn="b"/>
+                      <a:r>
+                        <a:rPr lang="pl-PL" sz="1300" dirty="0">
+                          <a:effectLst/>
+                        </a:rPr>
+                        <a:t>Java - elementy języka i konwencje</a:t>
+                      </a:r>
+                    </a:p>
+                  </a:txBody>
+                  <a:tcPr marL="16083" marR="16083" marT="10722" marB="10722" anchor="b">
+                    <a:lnL w="7620" cap="flat" cmpd="sng" algn="ctr">
+                      <a:solidFill>
+                        <a:srgbClr val="CCCCCC"/>
+                      </a:solidFill>
+                      <a:prstDash val="solid"/>
+                      <a:round/>
+                      <a:headEnd type="none" w="med" len="med"/>
+                      <a:tailEnd type="none" w="med" len="med"/>
+                    </a:lnL>
+                    <a:lnR w="7620" cap="flat" cmpd="sng" algn="ctr">
+                      <a:solidFill>
+                        <a:srgbClr val="CCCCCC"/>
+                      </a:solidFill>
+                      <a:prstDash val="solid"/>
+                      <a:round/>
+                      <a:headEnd type="none" w="med" len="med"/>
+                      <a:tailEnd type="none" w="med" len="med"/>
+                    </a:lnR>
+                    <a:lnT w="7620" cap="flat" cmpd="sng" algn="ctr">
+                      <a:solidFill>
+                        <a:srgbClr val="CCCCCC"/>
+                      </a:solidFill>
+                      <a:prstDash val="solid"/>
+                      <a:round/>
+                      <a:headEnd type="none" w="med" len="med"/>
+                      <a:tailEnd type="none" w="med" len="med"/>
+                    </a:lnT>
+                    <a:lnB w="7620" cap="flat" cmpd="sng" algn="ctr">
+                      <a:solidFill>
+                        <a:srgbClr val="CCCCCC"/>
+                      </a:solidFill>
+                      <a:prstDash val="solid"/>
+                      <a:round/>
+                      <a:headEnd type="none" w="med" len="med"/>
+                      <a:tailEnd type="none" w="med" len="med"/>
+                    </a:lnB>
+                  </a:tcPr>
+                </a:tc>
+                <a:tc>
+                  <a:txBody>
+                    <a:bodyPr/>
+                    <a:lstStyle/>
+                    <a:p>
+                      <a:pPr rtl="0" fontAlgn="b"/>
+                      <a:endParaRPr lang="pl-PL" sz="1300">
+                        <a:effectLst/>
+                      </a:endParaRPr>
+                    </a:p>
+                  </a:txBody>
+                  <a:tcPr marL="16083" marR="16083" marT="10722" marB="10722" anchor="b">
+                    <a:lnL w="7620" cap="flat" cmpd="sng" algn="ctr">
+                      <a:solidFill>
+                        <a:srgbClr val="CCCCCC"/>
+                      </a:solidFill>
+                      <a:prstDash val="solid"/>
+                      <a:round/>
+                      <a:headEnd type="none" w="med" len="med"/>
+                      <a:tailEnd type="none" w="med" len="med"/>
+                    </a:lnL>
+                    <a:lnR w="7620" cap="flat" cmpd="sng" algn="ctr">
+                      <a:solidFill>
+                        <a:srgbClr val="CCCCCC"/>
+                      </a:solidFill>
+                      <a:prstDash val="solid"/>
+                      <a:round/>
+                      <a:headEnd type="none" w="med" len="med"/>
+                      <a:tailEnd type="none" w="med" len="med"/>
+                    </a:lnR>
+                    <a:lnT w="7620" cap="flat" cmpd="sng" algn="ctr">
+                      <a:solidFill>
+                        <a:srgbClr val="CCCCCC"/>
+                      </a:solidFill>
+                      <a:prstDash val="solid"/>
+                      <a:round/>
+                      <a:headEnd type="none" w="med" len="med"/>
+                      <a:tailEnd type="none" w="med" len="med"/>
+                    </a:lnT>
+                    <a:lnB w="7620" cap="flat" cmpd="sng" algn="ctr">
+                      <a:solidFill>
+                        <a:srgbClr val="CCCCCC"/>
+                      </a:solidFill>
+                      <a:prstDash val="solid"/>
+                      <a:round/>
+                      <a:headEnd type="none" w="med" len="med"/>
+                      <a:tailEnd type="none" w="med" len="med"/>
+                    </a:lnB>
+                  </a:tcPr>
+                </a:tc>
+                <a:tc>
+                  <a:txBody>
+                    <a:bodyPr/>
+                    <a:lstStyle/>
+                    <a:p>
+                      <a:pPr algn="r" rtl="0" fontAlgn="b"/>
+                      <a:r>
+                        <a:rPr lang="pl-PL" sz="1300" dirty="0">
+                          <a:effectLst/>
+                        </a:rPr>
+                        <a:t>4</a:t>
+                      </a:r>
+                    </a:p>
+                  </a:txBody>
+                  <a:tcPr marL="16083" marR="16083" marT="10722" marB="10722" anchor="b">
+                    <a:lnL w="7620" cap="flat" cmpd="sng" algn="ctr">
+                      <a:solidFill>
+                        <a:srgbClr val="CCCCCC"/>
+                      </a:solidFill>
+                      <a:prstDash val="solid"/>
+                      <a:round/>
+                      <a:headEnd type="none" w="med" len="med"/>
+                      <a:tailEnd type="none" w="med" len="med"/>
+                    </a:lnL>
+                    <a:lnR w="7620" cap="flat" cmpd="sng" algn="ctr">
+                      <a:solidFill>
+                        <a:srgbClr val="CCCCCC"/>
+                      </a:solidFill>
+                      <a:prstDash val="solid"/>
+                      <a:round/>
+                      <a:headEnd type="none" w="med" len="med"/>
+                      <a:tailEnd type="none" w="med" len="med"/>
+                    </a:lnR>
+                    <a:lnT w="7620" cap="flat" cmpd="sng" algn="ctr">
+                      <a:solidFill>
+                        <a:srgbClr val="CCCCCC"/>
+                      </a:solidFill>
+                      <a:prstDash val="solid"/>
+                      <a:round/>
+                      <a:headEnd type="none" w="med" len="med"/>
+                      <a:tailEnd type="none" w="med" len="med"/>
+                    </a:lnT>
+                    <a:lnB w="7620" cap="flat" cmpd="sng" algn="ctr">
+                      <a:solidFill>
+                        <a:srgbClr val="CCCCCC"/>
+                      </a:solidFill>
+                      <a:prstDash val="solid"/>
+                      <a:round/>
+                      <a:headEnd type="none" w="med" len="med"/>
+                      <a:tailEnd type="none" w="med" len="med"/>
+                    </a:lnB>
+                  </a:tcPr>
+                </a:tc>
+                <a:tc>
+                  <a:txBody>
+                    <a:bodyPr/>
+                    <a:lstStyle/>
+                    <a:p>
+                      <a:pPr algn="r" rtl="0" fontAlgn="b"/>
+                      <a:r>
+                        <a:rPr lang="pl-PL" sz="1300">
+                          <a:effectLst/>
+                        </a:rPr>
+                        <a:t>1</a:t>
+                      </a:r>
+                    </a:p>
+                  </a:txBody>
+                  <a:tcPr marL="16083" marR="16083" marT="10722" marB="10722" anchor="b">
+                    <a:lnL w="7620" cap="flat" cmpd="sng" algn="ctr">
+                      <a:solidFill>
+                        <a:srgbClr val="CCCCCC"/>
+                      </a:solidFill>
+                      <a:prstDash val="solid"/>
+                      <a:round/>
+                      <a:headEnd type="none" w="med" len="med"/>
+                      <a:tailEnd type="none" w="med" len="med"/>
+                    </a:lnL>
+                    <a:lnR w="7620" cap="flat" cmpd="sng" algn="ctr">
+                      <a:solidFill>
+                        <a:srgbClr val="CCCCCC"/>
+                      </a:solidFill>
+                      <a:prstDash val="solid"/>
+                      <a:round/>
+                      <a:headEnd type="none" w="med" len="med"/>
+                      <a:tailEnd type="none" w="med" len="med"/>
+                    </a:lnR>
+                    <a:lnT w="7620" cap="flat" cmpd="sng" algn="ctr">
+                      <a:solidFill>
+                        <a:srgbClr val="CCCCCC"/>
+                      </a:solidFill>
+                      <a:prstDash val="solid"/>
+                      <a:round/>
+                      <a:headEnd type="none" w="med" len="med"/>
+                      <a:tailEnd type="none" w="med" len="med"/>
+                    </a:lnT>
+                    <a:lnB w="7620" cap="flat" cmpd="sng" algn="ctr">
+                      <a:solidFill>
+                        <a:srgbClr val="CCCCCC"/>
+                      </a:solidFill>
+                      <a:prstDash val="solid"/>
+                      <a:round/>
+                      <a:headEnd type="none" w="med" len="med"/>
+                      <a:tailEnd type="none" w="med" len="med"/>
+                    </a:lnB>
+                  </a:tcPr>
+                </a:tc>
+                <a:tc>
+                  <a:txBody>
+                    <a:bodyPr/>
+                    <a:lstStyle/>
+                    <a:p>
+                      <a:pPr algn="r" rtl="0" fontAlgn="b"/>
+                      <a:r>
+                        <a:rPr lang="pl-PL" sz="1300">
+                          <a:effectLst/>
+                        </a:rPr>
+                        <a:t>3</a:t>
+                      </a:r>
+                    </a:p>
+                  </a:txBody>
+                  <a:tcPr marL="16083" marR="16083" marT="10722" marB="10722" anchor="b">
+                    <a:lnL w="7620" cap="flat" cmpd="sng" algn="ctr">
+                      <a:solidFill>
+                        <a:srgbClr val="CCCCCC"/>
+                      </a:solidFill>
+                      <a:prstDash val="solid"/>
+                      <a:round/>
+                      <a:headEnd type="none" w="med" len="med"/>
+                      <a:tailEnd type="none" w="med" len="med"/>
+                    </a:lnL>
+                    <a:lnR w="7620" cap="flat" cmpd="sng" algn="ctr">
+                      <a:solidFill>
+                        <a:srgbClr val="CCCCCC"/>
+                      </a:solidFill>
+                      <a:prstDash val="solid"/>
+                      <a:round/>
+                      <a:headEnd type="none" w="med" len="med"/>
+                      <a:tailEnd type="none" w="med" len="med"/>
+                    </a:lnR>
+                    <a:lnT w="7620" cap="flat" cmpd="sng" algn="ctr">
+                      <a:solidFill>
+                        <a:srgbClr val="CCCCCC"/>
+                      </a:solidFill>
+                      <a:prstDash val="solid"/>
+                      <a:round/>
+                      <a:headEnd type="none" w="med" len="med"/>
+                      <a:tailEnd type="none" w="med" len="med"/>
+                    </a:lnT>
+                    <a:lnB w="7620" cap="flat" cmpd="sng" algn="ctr">
+                      <a:solidFill>
+                        <a:srgbClr val="CCCCCC"/>
+                      </a:solidFill>
+                      <a:prstDash val="solid"/>
+                      <a:round/>
+                      <a:headEnd type="none" w="med" len="med"/>
+                      <a:tailEnd type="none" w="med" len="med"/>
+                    </a:lnB>
+                  </a:tcPr>
+                </a:tc>
+                <a:extLst>
+                  <a:ext uri="{0D108BD9-81ED-4DB2-BD59-A6C34878D82A}">
+                    <a16:rowId xmlns:a16="http://schemas.microsoft.com/office/drawing/2014/main" val="1203088172"/>
+                  </a:ext>
+                </a:extLst>
+              </a:tr>
+              <a:tr h="705394">
+                <a:tc>
+                  <a:txBody>
+                    <a:bodyPr/>
+                    <a:lstStyle/>
+                    <a:p>
+                      <a:pPr rtl="0" fontAlgn="b"/>
+                      <a:r>
+                        <a:rPr lang="pl-PL" sz="1300">
+                          <a:effectLst/>
+                        </a:rPr>
+                        <a:t>JUnit, AssertJ i inne frameworki do testowania</a:t>
+                      </a:r>
+                    </a:p>
+                  </a:txBody>
+                  <a:tcPr marL="16083" marR="16083" marT="10722" marB="10722" anchor="b">
+                    <a:lnL w="7620" cap="flat" cmpd="sng" algn="ctr">
+                      <a:solidFill>
+                        <a:srgbClr val="CCCCCC"/>
+                      </a:solidFill>
+                      <a:prstDash val="solid"/>
+                      <a:round/>
+                      <a:headEnd type="none" w="med" len="med"/>
+                      <a:tailEnd type="none" w="med" len="med"/>
+                    </a:lnL>
+                    <a:lnR w="7620" cap="flat" cmpd="sng" algn="ctr">
+                      <a:solidFill>
+                        <a:srgbClr val="CCCCCC"/>
+                      </a:solidFill>
+                      <a:prstDash val="solid"/>
+                      <a:round/>
+                      <a:headEnd type="none" w="med" len="med"/>
+                      <a:tailEnd type="none" w="med" len="med"/>
+                    </a:lnR>
+                    <a:lnT w="7620" cap="flat" cmpd="sng" algn="ctr">
+                      <a:solidFill>
+                        <a:srgbClr val="CCCCCC"/>
+                      </a:solidFill>
+                      <a:prstDash val="solid"/>
+                      <a:round/>
+                      <a:headEnd type="none" w="med" len="med"/>
+                      <a:tailEnd type="none" w="med" len="med"/>
+                    </a:lnT>
+                    <a:lnB w="7620" cap="flat" cmpd="sng" algn="ctr">
+                      <a:solidFill>
+                        <a:srgbClr val="CCCCCC"/>
+                      </a:solidFill>
+                      <a:prstDash val="solid"/>
+                      <a:round/>
+                      <a:headEnd type="none" w="med" len="med"/>
+                      <a:tailEnd type="none" w="med" len="med"/>
+                    </a:lnB>
+                  </a:tcPr>
+                </a:tc>
+                <a:tc>
+                  <a:txBody>
+                    <a:bodyPr/>
+                    <a:lstStyle/>
+                    <a:p>
+                      <a:pPr rtl="0" fontAlgn="b"/>
+                      <a:endParaRPr lang="pl-PL" sz="1300" dirty="0">
+                        <a:effectLst/>
+                      </a:endParaRPr>
+                    </a:p>
+                  </a:txBody>
+                  <a:tcPr marL="16083" marR="16083" marT="10722" marB="10722" anchor="b">
+                    <a:lnL w="7620" cap="flat" cmpd="sng" algn="ctr">
+                      <a:solidFill>
+                        <a:srgbClr val="CCCCCC"/>
+                      </a:solidFill>
+                      <a:prstDash val="solid"/>
+                      <a:round/>
+                      <a:headEnd type="none" w="med" len="med"/>
+                      <a:tailEnd type="none" w="med" len="med"/>
+                    </a:lnL>
+                    <a:lnR w="7620" cap="flat" cmpd="sng" algn="ctr">
+                      <a:solidFill>
+                        <a:srgbClr val="CCCCCC"/>
+                      </a:solidFill>
+                      <a:prstDash val="solid"/>
+                      <a:round/>
+                      <a:headEnd type="none" w="med" len="med"/>
+                      <a:tailEnd type="none" w="med" len="med"/>
+                    </a:lnR>
+                    <a:lnT w="7620" cap="flat" cmpd="sng" algn="ctr">
+                      <a:solidFill>
+                        <a:srgbClr val="CCCCCC"/>
+                      </a:solidFill>
+                      <a:prstDash val="solid"/>
+                      <a:round/>
+                      <a:headEnd type="none" w="med" len="med"/>
+                      <a:tailEnd type="none" w="med" len="med"/>
+                    </a:lnT>
+                    <a:lnB w="7620" cap="flat" cmpd="sng" algn="ctr">
+                      <a:solidFill>
+                        <a:srgbClr val="CCCCCC"/>
+                      </a:solidFill>
+                      <a:prstDash val="solid"/>
+                      <a:round/>
+                      <a:headEnd type="none" w="med" len="med"/>
+                      <a:tailEnd type="none" w="med" len="med"/>
+                    </a:lnB>
+                  </a:tcPr>
+                </a:tc>
+                <a:tc>
+                  <a:txBody>
+                    <a:bodyPr/>
+                    <a:lstStyle/>
+                    <a:p>
+                      <a:pPr algn="r" rtl="0" fontAlgn="b"/>
+                      <a:r>
+                        <a:rPr lang="pl-PL" sz="1300">
+                          <a:effectLst/>
+                        </a:rPr>
+                        <a:t>4</a:t>
+                      </a:r>
+                    </a:p>
+                  </a:txBody>
+                  <a:tcPr marL="16083" marR="16083" marT="10722" marB="10722" anchor="b">
+                    <a:lnL w="7620" cap="flat" cmpd="sng" algn="ctr">
+                      <a:solidFill>
+                        <a:srgbClr val="CCCCCC"/>
+                      </a:solidFill>
+                      <a:prstDash val="solid"/>
+                      <a:round/>
+                      <a:headEnd type="none" w="med" len="med"/>
+                      <a:tailEnd type="none" w="med" len="med"/>
+                    </a:lnL>
+                    <a:lnR w="7620" cap="flat" cmpd="sng" algn="ctr">
+                      <a:solidFill>
+                        <a:srgbClr val="CCCCCC"/>
+                      </a:solidFill>
+                      <a:prstDash val="solid"/>
+                      <a:round/>
+                      <a:headEnd type="none" w="med" len="med"/>
+                      <a:tailEnd type="none" w="med" len="med"/>
+                    </a:lnR>
+                    <a:lnT w="7620" cap="flat" cmpd="sng" algn="ctr">
+                      <a:solidFill>
+                        <a:srgbClr val="CCCCCC"/>
+                      </a:solidFill>
+                      <a:prstDash val="solid"/>
+                      <a:round/>
+                      <a:headEnd type="none" w="med" len="med"/>
+                      <a:tailEnd type="none" w="med" len="med"/>
+                    </a:lnT>
+                    <a:lnB w="7620" cap="flat" cmpd="sng" algn="ctr">
+                      <a:solidFill>
+                        <a:srgbClr val="CCCCCC"/>
+                      </a:solidFill>
+                      <a:prstDash val="solid"/>
+                      <a:round/>
+                      <a:headEnd type="none" w="med" len="med"/>
+                      <a:tailEnd type="none" w="med" len="med"/>
+                    </a:lnB>
+                  </a:tcPr>
+                </a:tc>
+                <a:tc>
+                  <a:txBody>
+                    <a:bodyPr/>
+                    <a:lstStyle/>
+                    <a:p>
+                      <a:pPr algn="r" rtl="0" fontAlgn="b"/>
+                      <a:r>
+                        <a:rPr lang="pl-PL" sz="1300">
+                          <a:effectLst/>
+                        </a:rPr>
+                        <a:t>1</a:t>
+                      </a:r>
+                    </a:p>
+                  </a:txBody>
+                  <a:tcPr marL="16083" marR="16083" marT="10722" marB="10722" anchor="b">
+                    <a:lnL w="7620" cap="flat" cmpd="sng" algn="ctr">
+                      <a:solidFill>
+                        <a:srgbClr val="CCCCCC"/>
+                      </a:solidFill>
+                      <a:prstDash val="solid"/>
+                      <a:round/>
+                      <a:headEnd type="none" w="med" len="med"/>
+                      <a:tailEnd type="none" w="med" len="med"/>
+                    </a:lnL>
+                    <a:lnR w="7620" cap="flat" cmpd="sng" algn="ctr">
+                      <a:solidFill>
+                        <a:srgbClr val="CCCCCC"/>
+                      </a:solidFill>
+                      <a:prstDash val="solid"/>
+                      <a:round/>
+                      <a:headEnd type="none" w="med" len="med"/>
+                      <a:tailEnd type="none" w="med" len="med"/>
+                    </a:lnR>
+                    <a:lnT w="7620" cap="flat" cmpd="sng" algn="ctr">
+                      <a:solidFill>
+                        <a:srgbClr val="CCCCCC"/>
+                      </a:solidFill>
+                      <a:prstDash val="solid"/>
+                      <a:round/>
+                      <a:headEnd type="none" w="med" len="med"/>
+                      <a:tailEnd type="none" w="med" len="med"/>
+                    </a:lnT>
+                    <a:lnB w="7620" cap="flat" cmpd="sng" algn="ctr">
+                      <a:solidFill>
+                        <a:srgbClr val="CCCCCC"/>
+                      </a:solidFill>
+                      <a:prstDash val="solid"/>
+                      <a:round/>
+                      <a:headEnd type="none" w="med" len="med"/>
+                      <a:tailEnd type="none" w="med" len="med"/>
+                    </a:lnB>
+                  </a:tcPr>
+                </a:tc>
+                <a:tc>
+                  <a:txBody>
+                    <a:bodyPr/>
+                    <a:lstStyle/>
+                    <a:p>
+                      <a:pPr algn="r" rtl="0" fontAlgn="b"/>
+                      <a:r>
+                        <a:rPr lang="pl-PL" sz="1300">
+                          <a:effectLst/>
+                        </a:rPr>
+                        <a:t>3</a:t>
+                      </a:r>
+                    </a:p>
+                  </a:txBody>
+                  <a:tcPr marL="16083" marR="16083" marT="10722" marB="10722" anchor="b">
+                    <a:lnL w="7620" cap="flat" cmpd="sng" algn="ctr">
+                      <a:solidFill>
+                        <a:srgbClr val="CCCCCC"/>
+                      </a:solidFill>
+                      <a:prstDash val="solid"/>
+                      <a:round/>
+                      <a:headEnd type="none" w="med" len="med"/>
+                      <a:tailEnd type="none" w="med" len="med"/>
+                    </a:lnL>
+                    <a:lnR w="7620" cap="flat" cmpd="sng" algn="ctr">
+                      <a:solidFill>
+                        <a:srgbClr val="CCCCCC"/>
+                      </a:solidFill>
+                      <a:prstDash val="solid"/>
+                      <a:round/>
+                      <a:headEnd type="none" w="med" len="med"/>
+                      <a:tailEnd type="none" w="med" len="med"/>
+                    </a:lnR>
+                    <a:lnT w="7620" cap="flat" cmpd="sng" algn="ctr">
+                      <a:solidFill>
+                        <a:srgbClr val="CCCCCC"/>
+                      </a:solidFill>
+                      <a:prstDash val="solid"/>
+                      <a:round/>
+                      <a:headEnd type="none" w="med" len="med"/>
+                      <a:tailEnd type="none" w="med" len="med"/>
+                    </a:lnT>
+                    <a:lnB w="7620" cap="flat" cmpd="sng" algn="ctr">
+                      <a:solidFill>
+                        <a:srgbClr val="CCCCCC"/>
+                      </a:solidFill>
+                      <a:prstDash val="solid"/>
+                      <a:round/>
+                      <a:headEnd type="none" w="med" len="med"/>
+                      <a:tailEnd type="none" w="med" len="med"/>
+                    </a:lnB>
+                  </a:tcPr>
+                </a:tc>
+                <a:extLst>
+                  <a:ext uri="{0D108BD9-81ED-4DB2-BD59-A6C34878D82A}">
+                    <a16:rowId xmlns:a16="http://schemas.microsoft.com/office/drawing/2014/main" val="3543030479"/>
+                  </a:ext>
+                </a:extLst>
+              </a:tr>
+              <a:tr h="409303">
+                <a:tc>
+                  <a:txBody>
+                    <a:bodyPr/>
+                    <a:lstStyle/>
+                    <a:p>
+                      <a:pPr rtl="0" fontAlgn="b"/>
+                      <a:r>
+                        <a:rPr lang="pl-PL" sz="1300">
+                          <a:effectLst/>
+                        </a:rPr>
+                        <a:t>Programowanie obiektowe</a:t>
+                      </a:r>
+                    </a:p>
+                  </a:txBody>
+                  <a:tcPr marL="16083" marR="16083" marT="10722" marB="10722" anchor="b">
+                    <a:lnL w="7620" cap="flat" cmpd="sng" algn="ctr">
+                      <a:solidFill>
+                        <a:srgbClr val="CCCCCC"/>
+                      </a:solidFill>
+                      <a:prstDash val="solid"/>
+                      <a:round/>
+                      <a:headEnd type="none" w="med" len="med"/>
+                      <a:tailEnd type="none" w="med" len="med"/>
+                    </a:lnL>
+                    <a:lnR w="7620" cap="flat" cmpd="sng" algn="ctr">
+                      <a:solidFill>
+                        <a:srgbClr val="CCCCCC"/>
+                      </a:solidFill>
+                      <a:prstDash val="solid"/>
+                      <a:round/>
+                      <a:headEnd type="none" w="med" len="med"/>
+                      <a:tailEnd type="none" w="med" len="med"/>
+                    </a:lnR>
+                    <a:lnT w="7620" cap="flat" cmpd="sng" algn="ctr">
+                      <a:solidFill>
+                        <a:srgbClr val="CCCCCC"/>
+                      </a:solidFill>
+                      <a:prstDash val="solid"/>
+                      <a:round/>
+                      <a:headEnd type="none" w="med" len="med"/>
+                      <a:tailEnd type="none" w="med" len="med"/>
+                    </a:lnT>
+                    <a:lnB w="7620" cap="flat" cmpd="sng" algn="ctr">
+                      <a:solidFill>
+                        <a:srgbClr val="CCCCCC"/>
+                      </a:solidFill>
+                      <a:prstDash val="solid"/>
+                      <a:round/>
+                      <a:headEnd type="none" w="med" len="med"/>
+                      <a:tailEnd type="none" w="med" len="med"/>
+                    </a:lnB>
+                  </a:tcPr>
+                </a:tc>
+                <a:tc>
+                  <a:txBody>
+                    <a:bodyPr/>
+                    <a:lstStyle/>
+                    <a:p>
+                      <a:pPr rtl="0" fontAlgn="b"/>
+                      <a:endParaRPr lang="pl-PL" sz="1300">
+                        <a:effectLst/>
+                      </a:endParaRPr>
+                    </a:p>
+                  </a:txBody>
+                  <a:tcPr marL="16083" marR="16083" marT="10722" marB="10722" anchor="b">
+                    <a:lnL w="7620" cap="flat" cmpd="sng" algn="ctr">
+                      <a:solidFill>
+                        <a:srgbClr val="CCCCCC"/>
+                      </a:solidFill>
+                      <a:prstDash val="solid"/>
+                      <a:round/>
+                      <a:headEnd type="none" w="med" len="med"/>
+                      <a:tailEnd type="none" w="med" len="med"/>
+                    </a:lnL>
+                    <a:lnR w="7620" cap="flat" cmpd="sng" algn="ctr">
+                      <a:solidFill>
+                        <a:srgbClr val="CCCCCC"/>
+                      </a:solidFill>
+                      <a:prstDash val="solid"/>
+                      <a:round/>
+                      <a:headEnd type="none" w="med" len="med"/>
+                      <a:tailEnd type="none" w="med" len="med"/>
+                    </a:lnR>
+                    <a:lnT w="7620" cap="flat" cmpd="sng" algn="ctr">
+                      <a:solidFill>
+                        <a:srgbClr val="CCCCCC"/>
+                      </a:solidFill>
+                      <a:prstDash val="solid"/>
+                      <a:round/>
+                      <a:headEnd type="none" w="med" len="med"/>
+                      <a:tailEnd type="none" w="med" len="med"/>
+                    </a:lnT>
+                    <a:lnB w="7620" cap="flat" cmpd="sng" algn="ctr">
+                      <a:solidFill>
+                        <a:srgbClr val="CCCCCC"/>
+                      </a:solidFill>
+                      <a:prstDash val="solid"/>
+                      <a:round/>
+                      <a:headEnd type="none" w="med" len="med"/>
+                      <a:tailEnd type="none" w="med" len="med"/>
+                    </a:lnB>
+                  </a:tcPr>
+                </a:tc>
+                <a:tc>
+                  <a:txBody>
+                    <a:bodyPr/>
+                    <a:lstStyle/>
+                    <a:p>
+                      <a:pPr algn="r" rtl="0" fontAlgn="b"/>
+                      <a:r>
+                        <a:rPr lang="pl-PL" sz="1300">
+                          <a:effectLst/>
+                        </a:rPr>
+                        <a:t>4</a:t>
+                      </a:r>
+                    </a:p>
+                  </a:txBody>
+                  <a:tcPr marL="16083" marR="16083" marT="10722" marB="10722" anchor="b">
+                    <a:lnL w="7620" cap="flat" cmpd="sng" algn="ctr">
+                      <a:solidFill>
+                        <a:srgbClr val="CCCCCC"/>
+                      </a:solidFill>
+                      <a:prstDash val="solid"/>
+                      <a:round/>
+                      <a:headEnd type="none" w="med" len="med"/>
+                      <a:tailEnd type="none" w="med" len="med"/>
+                    </a:lnL>
+                    <a:lnR w="7620" cap="flat" cmpd="sng" algn="ctr">
+                      <a:solidFill>
+                        <a:srgbClr val="CCCCCC"/>
+                      </a:solidFill>
+                      <a:prstDash val="solid"/>
+                      <a:round/>
+                      <a:headEnd type="none" w="med" len="med"/>
+                      <a:tailEnd type="none" w="med" len="med"/>
+                    </a:lnR>
+                    <a:lnT w="7620" cap="flat" cmpd="sng" algn="ctr">
+                      <a:solidFill>
+                        <a:srgbClr val="CCCCCC"/>
+                      </a:solidFill>
+                      <a:prstDash val="solid"/>
+                      <a:round/>
+                      <a:headEnd type="none" w="med" len="med"/>
+                      <a:tailEnd type="none" w="med" len="med"/>
+                    </a:lnT>
+                    <a:lnB w="7620" cap="flat" cmpd="sng" algn="ctr">
+                      <a:solidFill>
+                        <a:srgbClr val="CCCCCC"/>
+                      </a:solidFill>
+                      <a:prstDash val="solid"/>
+                      <a:round/>
+                      <a:headEnd type="none" w="med" len="med"/>
+                      <a:tailEnd type="none" w="med" len="med"/>
+                    </a:lnB>
+                  </a:tcPr>
+                </a:tc>
+                <a:tc>
+                  <a:txBody>
+                    <a:bodyPr/>
+                    <a:lstStyle/>
+                    <a:p>
+                      <a:pPr algn="r" rtl="0" fontAlgn="b"/>
+                      <a:r>
+                        <a:rPr lang="pl-PL" sz="1300">
+                          <a:effectLst/>
+                        </a:rPr>
+                        <a:t>1</a:t>
+                      </a:r>
+                    </a:p>
+                  </a:txBody>
+                  <a:tcPr marL="16083" marR="16083" marT="10722" marB="10722" anchor="b">
+                    <a:lnL w="7620" cap="flat" cmpd="sng" algn="ctr">
+                      <a:solidFill>
+                        <a:srgbClr val="CCCCCC"/>
+                      </a:solidFill>
+                      <a:prstDash val="solid"/>
+                      <a:round/>
+                      <a:headEnd type="none" w="med" len="med"/>
+                      <a:tailEnd type="none" w="med" len="med"/>
+                    </a:lnL>
+                    <a:lnR w="7620" cap="flat" cmpd="sng" algn="ctr">
+                      <a:solidFill>
+                        <a:srgbClr val="CCCCCC"/>
+                      </a:solidFill>
+                      <a:prstDash val="solid"/>
+                      <a:round/>
+                      <a:headEnd type="none" w="med" len="med"/>
+                      <a:tailEnd type="none" w="med" len="med"/>
+                    </a:lnR>
+                    <a:lnT w="7620" cap="flat" cmpd="sng" algn="ctr">
+                      <a:solidFill>
+                        <a:srgbClr val="CCCCCC"/>
+                      </a:solidFill>
+                      <a:prstDash val="solid"/>
+                      <a:round/>
+                      <a:headEnd type="none" w="med" len="med"/>
+                      <a:tailEnd type="none" w="med" len="med"/>
+                    </a:lnT>
+                    <a:lnB w="7620" cap="flat" cmpd="sng" algn="ctr">
+                      <a:solidFill>
+                        <a:srgbClr val="CCCCCC"/>
+                      </a:solidFill>
+                      <a:prstDash val="solid"/>
+                      <a:round/>
+                      <a:headEnd type="none" w="med" len="med"/>
+                      <a:tailEnd type="none" w="med" len="med"/>
+                    </a:lnB>
+                  </a:tcPr>
+                </a:tc>
+                <a:tc>
+                  <a:txBody>
+                    <a:bodyPr/>
+                    <a:lstStyle/>
+                    <a:p>
+                      <a:pPr algn="r" rtl="0" fontAlgn="b"/>
+                      <a:r>
+                        <a:rPr lang="pl-PL" sz="1300">
+                          <a:effectLst/>
+                        </a:rPr>
+                        <a:t>3</a:t>
+                      </a:r>
+                    </a:p>
+                  </a:txBody>
+                  <a:tcPr marL="16083" marR="16083" marT="10722" marB="10722" anchor="b">
+                    <a:lnL w="7620" cap="flat" cmpd="sng" algn="ctr">
+                      <a:solidFill>
+                        <a:srgbClr val="CCCCCC"/>
+                      </a:solidFill>
+                      <a:prstDash val="solid"/>
+                      <a:round/>
+                      <a:headEnd type="none" w="med" len="med"/>
+                      <a:tailEnd type="none" w="med" len="med"/>
+                    </a:lnL>
+                    <a:lnR w="7620" cap="flat" cmpd="sng" algn="ctr">
+                      <a:solidFill>
+                        <a:srgbClr val="CCCCCC"/>
+                      </a:solidFill>
+                      <a:prstDash val="solid"/>
+                      <a:round/>
+                      <a:headEnd type="none" w="med" len="med"/>
+                      <a:tailEnd type="none" w="med" len="med"/>
+                    </a:lnR>
+                    <a:lnT w="7620" cap="flat" cmpd="sng" algn="ctr">
+                      <a:solidFill>
+                        <a:srgbClr val="CCCCCC"/>
+                      </a:solidFill>
+                      <a:prstDash val="solid"/>
+                      <a:round/>
+                      <a:headEnd type="none" w="med" len="med"/>
+                      <a:tailEnd type="none" w="med" len="med"/>
+                    </a:lnT>
+                    <a:lnB w="7620" cap="flat" cmpd="sng" algn="ctr">
+                      <a:solidFill>
+                        <a:srgbClr val="CCCCCC"/>
+                      </a:solidFill>
+                      <a:prstDash val="solid"/>
+                      <a:round/>
+                      <a:headEnd type="none" w="med" len="med"/>
+                      <a:tailEnd type="none" w="med" len="med"/>
+                    </a:lnB>
+                  </a:tcPr>
+                </a:tc>
+                <a:extLst>
+                  <a:ext uri="{0D108BD9-81ED-4DB2-BD59-A6C34878D82A}">
+                    <a16:rowId xmlns:a16="http://schemas.microsoft.com/office/drawing/2014/main" val="824387740"/>
+                  </a:ext>
+                </a:extLst>
+              </a:tr>
+              <a:tr h="705394">
+                <a:tc>
+                  <a:txBody>
+                    <a:bodyPr/>
+                    <a:lstStyle/>
+                    <a:p>
+                      <a:pPr rtl="0" fontAlgn="b"/>
+                      <a:r>
+                        <a:rPr lang="pl-PL" sz="1300" dirty="0">
+                          <a:effectLst/>
+                        </a:rPr>
+                        <a:t>Jak tworzyć testy zrozumiałe i tanie w utrzymaniu - zagadnienia Clean Code</a:t>
+                      </a:r>
+                    </a:p>
+                  </a:txBody>
+                  <a:tcPr marL="16083" marR="16083" marT="10722" marB="10722" anchor="b">
+                    <a:lnL w="7620" cap="flat" cmpd="sng" algn="ctr">
+                      <a:solidFill>
+                        <a:srgbClr val="CCCCCC"/>
+                      </a:solidFill>
+                      <a:prstDash val="solid"/>
+                      <a:round/>
+                      <a:headEnd type="none" w="med" len="med"/>
+                      <a:tailEnd type="none" w="med" len="med"/>
+                    </a:lnL>
+                    <a:lnR w="7620" cap="flat" cmpd="sng" algn="ctr">
+                      <a:solidFill>
+                        <a:srgbClr val="CCCCCC"/>
+                      </a:solidFill>
+                      <a:prstDash val="solid"/>
+                      <a:round/>
+                      <a:headEnd type="none" w="med" len="med"/>
+                      <a:tailEnd type="none" w="med" len="med"/>
+                    </a:lnR>
+                    <a:lnT w="7620" cap="flat" cmpd="sng" algn="ctr">
+                      <a:solidFill>
+                        <a:srgbClr val="CCCCCC"/>
+                      </a:solidFill>
+                      <a:prstDash val="solid"/>
+                      <a:round/>
+                      <a:headEnd type="none" w="med" len="med"/>
+                      <a:tailEnd type="none" w="med" len="med"/>
+                    </a:lnT>
+                    <a:lnB w="7620" cap="flat" cmpd="sng" algn="ctr">
+                      <a:solidFill>
+                        <a:srgbClr val="CCCCCC"/>
+                      </a:solidFill>
+                      <a:prstDash val="solid"/>
+                      <a:round/>
+                      <a:headEnd type="none" w="med" len="med"/>
+                      <a:tailEnd type="none" w="med" len="med"/>
+                    </a:lnB>
+                  </a:tcPr>
+                </a:tc>
+                <a:tc>
+                  <a:txBody>
+                    <a:bodyPr/>
+                    <a:lstStyle/>
+                    <a:p>
+                      <a:pPr rtl="0" fontAlgn="b"/>
+                      <a:endParaRPr lang="pl-PL" sz="1300">
+                        <a:effectLst/>
+                      </a:endParaRPr>
+                    </a:p>
+                  </a:txBody>
+                  <a:tcPr marL="16083" marR="16083" marT="10722" marB="10722" anchor="b">
+                    <a:lnL w="7620" cap="flat" cmpd="sng" algn="ctr">
+                      <a:solidFill>
+                        <a:srgbClr val="CCCCCC"/>
+                      </a:solidFill>
+                      <a:prstDash val="solid"/>
+                      <a:round/>
+                      <a:headEnd type="none" w="med" len="med"/>
+                      <a:tailEnd type="none" w="med" len="med"/>
+                    </a:lnL>
+                    <a:lnR w="7620" cap="flat" cmpd="sng" algn="ctr">
+                      <a:solidFill>
+                        <a:srgbClr val="CCCCCC"/>
+                      </a:solidFill>
+                      <a:prstDash val="solid"/>
+                      <a:round/>
+                      <a:headEnd type="none" w="med" len="med"/>
+                      <a:tailEnd type="none" w="med" len="med"/>
+                    </a:lnR>
+                    <a:lnT w="7620" cap="flat" cmpd="sng" algn="ctr">
+                      <a:solidFill>
+                        <a:srgbClr val="CCCCCC"/>
+                      </a:solidFill>
+                      <a:prstDash val="solid"/>
+                      <a:round/>
+                      <a:headEnd type="none" w="med" len="med"/>
+                      <a:tailEnd type="none" w="med" len="med"/>
+                    </a:lnT>
+                    <a:lnB w="7620" cap="flat" cmpd="sng" algn="ctr">
+                      <a:solidFill>
+                        <a:srgbClr val="CCCCCC"/>
+                      </a:solidFill>
+                      <a:prstDash val="solid"/>
+                      <a:round/>
+                      <a:headEnd type="none" w="med" len="med"/>
+                      <a:tailEnd type="none" w="med" len="med"/>
+                    </a:lnB>
+                  </a:tcPr>
+                </a:tc>
+                <a:tc>
+                  <a:txBody>
+                    <a:bodyPr/>
+                    <a:lstStyle/>
+                    <a:p>
+                      <a:pPr algn="r" rtl="0" fontAlgn="b"/>
+                      <a:r>
+                        <a:rPr lang="pl-PL" sz="1300">
+                          <a:effectLst/>
+                        </a:rPr>
+                        <a:t>3</a:t>
+                      </a:r>
+                    </a:p>
+                  </a:txBody>
+                  <a:tcPr marL="16083" marR="16083" marT="10722" marB="10722" anchor="b">
+                    <a:lnL w="7620" cap="flat" cmpd="sng" algn="ctr">
+                      <a:solidFill>
+                        <a:srgbClr val="CCCCCC"/>
+                      </a:solidFill>
+                      <a:prstDash val="solid"/>
+                      <a:round/>
+                      <a:headEnd type="none" w="med" len="med"/>
+                      <a:tailEnd type="none" w="med" len="med"/>
+                    </a:lnL>
+                    <a:lnR w="7620" cap="flat" cmpd="sng" algn="ctr">
+                      <a:solidFill>
+                        <a:srgbClr val="CCCCCC"/>
+                      </a:solidFill>
+                      <a:prstDash val="solid"/>
+                      <a:round/>
+                      <a:headEnd type="none" w="med" len="med"/>
+                      <a:tailEnd type="none" w="med" len="med"/>
+                    </a:lnR>
+                    <a:lnT w="7620" cap="flat" cmpd="sng" algn="ctr">
+                      <a:solidFill>
+                        <a:srgbClr val="CCCCCC"/>
+                      </a:solidFill>
+                      <a:prstDash val="solid"/>
+                      <a:round/>
+                      <a:headEnd type="none" w="med" len="med"/>
+                      <a:tailEnd type="none" w="med" len="med"/>
+                    </a:lnT>
+                    <a:lnB w="7620" cap="flat" cmpd="sng" algn="ctr">
+                      <a:solidFill>
+                        <a:srgbClr val="CCCCCC"/>
+                      </a:solidFill>
+                      <a:prstDash val="solid"/>
+                      <a:round/>
+                      <a:headEnd type="none" w="med" len="med"/>
+                      <a:tailEnd type="none" w="med" len="med"/>
+                    </a:lnB>
+                  </a:tcPr>
+                </a:tc>
+                <a:tc>
+                  <a:txBody>
+                    <a:bodyPr/>
+                    <a:lstStyle/>
+                    <a:p>
+                      <a:pPr algn="r" rtl="0" fontAlgn="b"/>
+                      <a:r>
+                        <a:rPr lang="pl-PL" sz="1300">
+                          <a:effectLst/>
+                        </a:rPr>
+                        <a:t>1</a:t>
+                      </a:r>
+                    </a:p>
+                  </a:txBody>
+                  <a:tcPr marL="16083" marR="16083" marT="10722" marB="10722" anchor="b">
+                    <a:lnL w="7620" cap="flat" cmpd="sng" algn="ctr">
+                      <a:solidFill>
+                        <a:srgbClr val="CCCCCC"/>
+                      </a:solidFill>
+                      <a:prstDash val="solid"/>
+                      <a:round/>
+                      <a:headEnd type="none" w="med" len="med"/>
+                      <a:tailEnd type="none" w="med" len="med"/>
+                    </a:lnL>
+                    <a:lnR w="7620" cap="flat" cmpd="sng" algn="ctr">
+                      <a:solidFill>
+                        <a:srgbClr val="CCCCCC"/>
+                      </a:solidFill>
+                      <a:prstDash val="solid"/>
+                      <a:round/>
+                      <a:headEnd type="none" w="med" len="med"/>
+                      <a:tailEnd type="none" w="med" len="med"/>
+                    </a:lnR>
+                    <a:lnT w="7620" cap="flat" cmpd="sng" algn="ctr">
+                      <a:solidFill>
+                        <a:srgbClr val="CCCCCC"/>
+                      </a:solidFill>
+                      <a:prstDash val="solid"/>
+                      <a:round/>
+                      <a:headEnd type="none" w="med" len="med"/>
+                      <a:tailEnd type="none" w="med" len="med"/>
+                    </a:lnT>
+                    <a:lnB w="7620" cap="flat" cmpd="sng" algn="ctr">
+                      <a:solidFill>
+                        <a:srgbClr val="CCCCCC"/>
+                      </a:solidFill>
+                      <a:prstDash val="solid"/>
+                      <a:round/>
+                      <a:headEnd type="none" w="med" len="med"/>
+                      <a:tailEnd type="none" w="med" len="med"/>
+                    </a:lnB>
+                  </a:tcPr>
+                </a:tc>
+                <a:tc>
+                  <a:txBody>
+                    <a:bodyPr/>
+                    <a:lstStyle/>
+                    <a:p>
+                      <a:pPr algn="r" rtl="0" fontAlgn="b"/>
+                      <a:r>
+                        <a:rPr lang="pl-PL" sz="1300">
+                          <a:effectLst/>
+                        </a:rPr>
+                        <a:t>2</a:t>
+                      </a:r>
+                    </a:p>
+                  </a:txBody>
+                  <a:tcPr marL="16083" marR="16083" marT="10722" marB="10722" anchor="b">
+                    <a:lnL w="7620" cap="flat" cmpd="sng" algn="ctr">
+                      <a:solidFill>
+                        <a:srgbClr val="CCCCCC"/>
+                      </a:solidFill>
+                      <a:prstDash val="solid"/>
+                      <a:round/>
+                      <a:headEnd type="none" w="med" len="med"/>
+                      <a:tailEnd type="none" w="med" len="med"/>
+                    </a:lnL>
+                    <a:lnR w="7620" cap="flat" cmpd="sng" algn="ctr">
+                      <a:solidFill>
+                        <a:srgbClr val="CCCCCC"/>
+                      </a:solidFill>
+                      <a:prstDash val="solid"/>
+                      <a:round/>
+                      <a:headEnd type="none" w="med" len="med"/>
+                      <a:tailEnd type="none" w="med" len="med"/>
+                    </a:lnR>
+                    <a:lnT w="7620" cap="flat" cmpd="sng" algn="ctr">
+                      <a:solidFill>
+                        <a:srgbClr val="CCCCCC"/>
+                      </a:solidFill>
+                      <a:prstDash val="solid"/>
+                      <a:round/>
+                      <a:headEnd type="none" w="med" len="med"/>
+                      <a:tailEnd type="none" w="med" len="med"/>
+                    </a:lnT>
+                    <a:lnB w="7620" cap="flat" cmpd="sng" algn="ctr">
+                      <a:solidFill>
+                        <a:srgbClr val="CCCCCC"/>
+                      </a:solidFill>
+                      <a:prstDash val="solid"/>
+                      <a:round/>
+                      <a:headEnd type="none" w="med" len="med"/>
+                      <a:tailEnd type="none" w="med" len="med"/>
+                    </a:lnB>
+                  </a:tcPr>
+                </a:tc>
+                <a:extLst>
+                  <a:ext uri="{0D108BD9-81ED-4DB2-BD59-A6C34878D82A}">
+                    <a16:rowId xmlns:a16="http://schemas.microsoft.com/office/drawing/2014/main" val="2528443150"/>
+                  </a:ext>
+                </a:extLst>
+              </a:tr>
+              <a:tr h="235717">
+                <a:tc>
+                  <a:txBody>
+                    <a:bodyPr/>
+                    <a:lstStyle/>
+                    <a:p>
+                      <a:pPr rtl="0" fontAlgn="b"/>
+                      <a:r>
+                        <a:rPr lang="pl-PL" sz="1300" dirty="0">
+                          <a:effectLst/>
+                        </a:rPr>
+                        <a:t>Piramida testów automatycznych</a:t>
+                      </a:r>
+                    </a:p>
+                  </a:txBody>
+                  <a:tcPr marL="16083" marR="16083" marT="10722" marB="10722" anchor="b">
+                    <a:lnL w="7620" cap="flat" cmpd="sng" algn="ctr">
+                      <a:solidFill>
+                        <a:srgbClr val="CCCCCC"/>
+                      </a:solidFill>
+                      <a:prstDash val="solid"/>
+                      <a:round/>
+                      <a:headEnd type="none" w="med" len="med"/>
+                      <a:tailEnd type="none" w="med" len="med"/>
+                    </a:lnL>
+                    <a:lnR w="7620" cap="flat" cmpd="sng" algn="ctr">
+                      <a:solidFill>
+                        <a:srgbClr val="CCCCCC"/>
+                      </a:solidFill>
+                      <a:prstDash val="solid"/>
+                      <a:round/>
+                      <a:headEnd type="none" w="med" len="med"/>
+                      <a:tailEnd type="none" w="med" len="med"/>
+                    </a:lnR>
+                    <a:lnT w="7620" cap="flat" cmpd="sng" algn="ctr">
+                      <a:solidFill>
+                        <a:srgbClr val="CCCCCC"/>
+                      </a:solidFill>
+                      <a:prstDash val="solid"/>
+                      <a:round/>
+                      <a:headEnd type="none" w="med" len="med"/>
+                      <a:tailEnd type="none" w="med" len="med"/>
+                    </a:lnT>
+                    <a:lnB w="7620" cap="flat" cmpd="sng" algn="ctr">
+                      <a:solidFill>
+                        <a:srgbClr val="CCCCCC"/>
+                      </a:solidFill>
+                      <a:prstDash val="solid"/>
+                      <a:round/>
+                      <a:headEnd type="none" w="med" len="med"/>
+                      <a:tailEnd type="none" w="med" len="med"/>
+                    </a:lnB>
+                  </a:tcPr>
+                </a:tc>
+                <a:tc>
+                  <a:txBody>
+                    <a:bodyPr/>
+                    <a:lstStyle/>
+                    <a:p>
+                      <a:pPr rtl="0" fontAlgn="b"/>
+                      <a:endParaRPr lang="pl-PL" sz="1300">
+                        <a:effectLst/>
+                      </a:endParaRPr>
+                    </a:p>
+                  </a:txBody>
+                  <a:tcPr marL="16083" marR="16083" marT="10722" marB="10722" anchor="b">
+                    <a:lnL w="7620" cap="flat" cmpd="sng" algn="ctr">
+                      <a:solidFill>
+                        <a:srgbClr val="CCCCCC"/>
+                      </a:solidFill>
+                      <a:prstDash val="solid"/>
+                      <a:round/>
+                      <a:headEnd type="none" w="med" len="med"/>
+                      <a:tailEnd type="none" w="med" len="med"/>
+                    </a:lnL>
+                    <a:lnR w="7620" cap="flat" cmpd="sng" algn="ctr">
+                      <a:solidFill>
+                        <a:srgbClr val="CCCCCC"/>
+                      </a:solidFill>
+                      <a:prstDash val="solid"/>
+                      <a:round/>
+                      <a:headEnd type="none" w="med" len="med"/>
+                      <a:tailEnd type="none" w="med" len="med"/>
+                    </a:lnR>
+                    <a:lnT w="7620" cap="flat" cmpd="sng" algn="ctr">
+                      <a:solidFill>
+                        <a:srgbClr val="CCCCCC"/>
+                      </a:solidFill>
+                      <a:prstDash val="solid"/>
+                      <a:round/>
+                      <a:headEnd type="none" w="med" len="med"/>
+                      <a:tailEnd type="none" w="med" len="med"/>
+                    </a:lnT>
+                    <a:lnB w="7620" cap="flat" cmpd="sng" algn="ctr">
+                      <a:solidFill>
+                        <a:srgbClr val="CCCCCC"/>
+                      </a:solidFill>
+                      <a:prstDash val="solid"/>
+                      <a:round/>
+                      <a:headEnd type="none" w="med" len="med"/>
+                      <a:tailEnd type="none" w="med" len="med"/>
+                    </a:lnB>
+                  </a:tcPr>
+                </a:tc>
+                <a:tc>
+                  <a:txBody>
+                    <a:bodyPr/>
+                    <a:lstStyle/>
+                    <a:p>
+                      <a:pPr algn="r" rtl="0" fontAlgn="b"/>
+                      <a:r>
+                        <a:rPr lang="pl-PL" sz="1300">
+                          <a:effectLst/>
+                        </a:rPr>
+                        <a:t>1</a:t>
+                      </a:r>
+                    </a:p>
+                  </a:txBody>
+                  <a:tcPr marL="16083" marR="16083" marT="10722" marB="10722" anchor="b">
+                    <a:lnL w="7620" cap="flat" cmpd="sng" algn="ctr">
+                      <a:solidFill>
+                        <a:srgbClr val="CCCCCC"/>
+                      </a:solidFill>
+                      <a:prstDash val="solid"/>
+                      <a:round/>
+                      <a:headEnd type="none" w="med" len="med"/>
+                      <a:tailEnd type="none" w="med" len="med"/>
+                    </a:lnL>
+                    <a:lnR w="7620" cap="flat" cmpd="sng" algn="ctr">
+                      <a:solidFill>
+                        <a:srgbClr val="CCCCCC"/>
+                      </a:solidFill>
+                      <a:prstDash val="solid"/>
+                      <a:round/>
+                      <a:headEnd type="none" w="med" len="med"/>
+                      <a:tailEnd type="none" w="med" len="med"/>
+                    </a:lnR>
+                    <a:lnT w="7620" cap="flat" cmpd="sng" algn="ctr">
+                      <a:solidFill>
+                        <a:srgbClr val="CCCCCC"/>
+                      </a:solidFill>
+                      <a:prstDash val="solid"/>
+                      <a:round/>
+                      <a:headEnd type="none" w="med" len="med"/>
+                      <a:tailEnd type="none" w="med" len="med"/>
+                    </a:lnT>
+                    <a:lnB w="7620" cap="flat" cmpd="sng" algn="ctr">
+                      <a:solidFill>
+                        <a:srgbClr val="CCCCCC"/>
+                      </a:solidFill>
+                      <a:prstDash val="solid"/>
+                      <a:round/>
+                      <a:headEnd type="none" w="med" len="med"/>
+                      <a:tailEnd type="none" w="med" len="med"/>
+                    </a:lnB>
+                  </a:tcPr>
+                </a:tc>
+                <a:tc>
+                  <a:txBody>
+                    <a:bodyPr/>
+                    <a:lstStyle/>
+                    <a:p>
+                      <a:pPr algn="r" rtl="0" fontAlgn="b"/>
+                      <a:r>
+                        <a:rPr lang="pl-PL" sz="1300">
+                          <a:effectLst/>
+                        </a:rPr>
+                        <a:t>1</a:t>
+                      </a:r>
+                    </a:p>
+                  </a:txBody>
+                  <a:tcPr marL="16083" marR="16083" marT="10722" marB="10722" anchor="b">
+                    <a:lnL w="7620" cap="flat" cmpd="sng" algn="ctr">
+                      <a:solidFill>
+                        <a:srgbClr val="CCCCCC"/>
+                      </a:solidFill>
+                      <a:prstDash val="solid"/>
+                      <a:round/>
+                      <a:headEnd type="none" w="med" len="med"/>
+                      <a:tailEnd type="none" w="med" len="med"/>
+                    </a:lnL>
+                    <a:lnR w="7620" cap="flat" cmpd="sng" algn="ctr">
+                      <a:solidFill>
+                        <a:srgbClr val="CCCCCC"/>
+                      </a:solidFill>
+                      <a:prstDash val="solid"/>
+                      <a:round/>
+                      <a:headEnd type="none" w="med" len="med"/>
+                      <a:tailEnd type="none" w="med" len="med"/>
+                    </a:lnR>
+                    <a:lnT w="7620" cap="flat" cmpd="sng" algn="ctr">
+                      <a:solidFill>
+                        <a:srgbClr val="CCCCCC"/>
+                      </a:solidFill>
+                      <a:prstDash val="solid"/>
+                      <a:round/>
+                      <a:headEnd type="none" w="med" len="med"/>
+                      <a:tailEnd type="none" w="med" len="med"/>
+                    </a:lnT>
+                    <a:lnB w="7620" cap="flat" cmpd="sng" algn="ctr">
+                      <a:solidFill>
+                        <a:srgbClr val="CCCCCC"/>
+                      </a:solidFill>
+                      <a:prstDash val="solid"/>
+                      <a:round/>
+                      <a:headEnd type="none" w="med" len="med"/>
+                      <a:tailEnd type="none" w="med" len="med"/>
+                    </a:lnB>
+                  </a:tcPr>
+                </a:tc>
+                <a:tc>
+                  <a:txBody>
+                    <a:bodyPr/>
+                    <a:lstStyle/>
+                    <a:p>
+                      <a:pPr rtl="0" fontAlgn="b"/>
+                      <a:endParaRPr lang="pl-PL" sz="1300" dirty="0">
+                        <a:effectLst/>
+                      </a:endParaRPr>
+                    </a:p>
+                  </a:txBody>
+                  <a:tcPr marL="16083" marR="16083" marT="10722" marB="10722" anchor="b">
+                    <a:lnL w="7620" cap="flat" cmpd="sng" algn="ctr">
+                      <a:solidFill>
+                        <a:srgbClr val="CCCCCC"/>
+                      </a:solidFill>
+                      <a:prstDash val="solid"/>
+                      <a:round/>
+                      <a:headEnd type="none" w="med" len="med"/>
+                      <a:tailEnd type="none" w="med" len="med"/>
+                    </a:lnL>
+                    <a:lnR w="7620" cap="flat" cmpd="sng" algn="ctr">
+                      <a:solidFill>
+                        <a:srgbClr val="CCCCCC"/>
+                      </a:solidFill>
+                      <a:prstDash val="solid"/>
+                      <a:round/>
+                      <a:headEnd type="none" w="med" len="med"/>
+                      <a:tailEnd type="none" w="med" len="med"/>
+                    </a:lnR>
+                    <a:lnT w="7620" cap="flat" cmpd="sng" algn="ctr">
+                      <a:solidFill>
+                        <a:srgbClr val="CCCCCC"/>
+                      </a:solidFill>
+                      <a:prstDash val="solid"/>
+                      <a:round/>
+                      <a:headEnd type="none" w="med" len="med"/>
+                      <a:tailEnd type="none" w="med" len="med"/>
+                    </a:lnT>
+                    <a:lnB w="7620" cap="flat" cmpd="sng" algn="ctr">
+                      <a:solidFill>
+                        <a:srgbClr val="CCCCCC"/>
+                      </a:solidFill>
+                      <a:prstDash val="solid"/>
+                      <a:round/>
+                      <a:headEnd type="none" w="med" len="med"/>
+                      <a:tailEnd type="none" w="med" len="med"/>
+                    </a:lnB>
+                  </a:tcPr>
+                </a:tc>
+                <a:extLst>
+                  <a:ext uri="{0D108BD9-81ED-4DB2-BD59-A6C34878D82A}">
+                    <a16:rowId xmlns:a16="http://schemas.microsoft.com/office/drawing/2014/main" val="1528586735"/>
+                  </a:ext>
+                </a:extLst>
+              </a:tr>
+            </a:tbl>
+          </a:graphicData>
+        </a:graphic>
+      </p:graphicFrame>
     </p:spTree>
     <p:extLst>
       <p:ext uri="{BB962C8B-B14F-4D97-AF65-F5344CB8AC3E}">
@@ -12970,47 +15689,6 @@
           <a:chExt cx="0" cy="0"/>
         </a:xfrm>
       </p:grpSpPr>
-      <p:pic>
-        <p:nvPicPr>
-          <p:cNvPr id="1026" name="Picture 2" descr="Znalezione obrazy dla zapytania testing pyramid"/>
-          <p:cNvPicPr>
-            <a:picLocks noChangeAspect="1" noChangeArrowheads="1"/>
-          </p:cNvPicPr>
-          <p:nvPr/>
-        </p:nvPicPr>
-        <p:blipFill>
-          <a:blip r:embed="rId2">
-            <a:extLst>
-              <a:ext uri="{28A0092B-C50C-407E-A947-70E740481C1C}">
-                <a14:useLocalDpi xmlns:a14="http://schemas.microsoft.com/office/drawing/2010/main" val="0"/>
-              </a:ext>
-            </a:extLst>
-          </a:blip>
-          <a:srcRect/>
-          <a:stretch>
-            <a:fillRect/>
-          </a:stretch>
-        </p:blipFill>
-        <p:spPr bwMode="auto">
-          <a:xfrm>
-            <a:off x="677334" y="2043112"/>
-            <a:ext cx="4088240" cy="3530266"/>
-          </a:xfrm>
-          <a:prstGeom prst="rect">
-            <a:avLst/>
-          </a:prstGeom>
-          <a:noFill/>
-          <a:extLst>
-            <a:ext uri="{909E8E84-426E-40DD-AFC4-6F175D3DCCD1}">
-              <a14:hiddenFill xmlns:a14="http://schemas.microsoft.com/office/drawing/2010/main">
-                <a:solidFill>
-                  <a:srgbClr val="FFFFFF"/>
-                </a:solidFill>
-              </a14:hiddenFill>
-            </a:ext>
-          </a:extLst>
-        </p:spPr>
-      </p:pic>
       <p:sp>
         <p:nvSpPr>
           <p:cNvPr id="9" name="Content Placeholder 2"/>
@@ -13023,8 +15701,8 @@
         </p:nvSpPr>
         <p:spPr>
           <a:xfrm>
-            <a:off x="5289449" y="1981993"/>
-            <a:ext cx="5273776" cy="3633453"/>
+            <a:off x="612946" y="1720735"/>
+            <a:ext cx="10272768" cy="4148842"/>
           </a:xfrm>
         </p:spPr>
         <p:txBody>
@@ -13043,7 +15721,7 @@
                   <a:schemeClr val="tx1"/>
                 </a:solidFill>
               </a:rPr>
-              <a:t>Selenium</a:t>
+              <a:t>IDE</a:t>
             </a:r>
           </a:p>
           <a:p>
@@ -13051,6 +15729,14 @@
               <a:buFontTx/>
               <a:buChar char="-"/>
             </a:pPr>
+            <a:r>
+              <a:rPr lang="pl-PL" sz="3600" dirty="0" smtClean="0">
+                <a:solidFill>
+                  <a:schemeClr val="tx1"/>
+                </a:solidFill>
+              </a:rPr>
+              <a:t>Git / Version control</a:t>
+            </a:r>
             <a:endParaRPr lang="pl-PL" sz="3600" dirty="0" smtClean="0">
               <a:solidFill>
                 <a:schemeClr val="tx1"/>
@@ -13058,9 +15744,8 @@
             </a:endParaRPr>
           </a:p>
           <a:p>
-            <a:pPr>
-              <a:buFontTx/>
-              <a:buChar char="-"/>
+            <a:pPr marL="0" indent="0">
+              <a:buNone/>
             </a:pPr>
             <a:r>
               <a:rPr lang="pl-PL" sz="3600" dirty="0" smtClean="0">
@@ -13068,14 +15753,8 @@
                   <a:schemeClr val="tx1"/>
                 </a:solidFill>
               </a:rPr>
-              <a:t>Rest-Assured</a:t>
-            </a:r>
-          </a:p>
-          <a:p>
-            <a:pPr>
-              <a:buFontTx/>
-              <a:buChar char="-"/>
-            </a:pPr>
+              <a:t>- Software lifecycle / test lifecycle</a:t>
+            </a:r>
             <a:endParaRPr lang="pl-PL" sz="3600" dirty="0" smtClean="0">
               <a:solidFill>
                 <a:schemeClr val="tx1"/>
@@ -13093,14 +15772,8 @@
                   <a:schemeClr val="tx1"/>
                 </a:solidFill>
               </a:rPr>
-              <a:t>Junit</a:t>
-            </a:r>
-          </a:p>
-          <a:p>
-            <a:pPr>
-              <a:buFontTx/>
-              <a:buChar char="-"/>
-            </a:pPr>
+              <a:t>IntelliJ – programming IDE</a:t>
+            </a:r>
             <a:endParaRPr lang="pl-PL" sz="3600" dirty="0" smtClean="0">
               <a:solidFill>
                 <a:schemeClr val="tx1"/>
@@ -13112,6 +15785,28 @@
               <a:buFontTx/>
               <a:buChar char="-"/>
             </a:pPr>
+            <a:r>
+              <a:rPr lang="pl-PL" sz="3600" dirty="0" smtClean="0">
+                <a:solidFill>
+                  <a:schemeClr val="tx1"/>
+                </a:solidFill>
+              </a:rPr>
+              <a:t>Maven – Library repository / project manager</a:t>
+            </a:r>
+          </a:p>
+          <a:p>
+            <a:pPr>
+              <a:buFontTx/>
+              <a:buChar char="-"/>
+            </a:pPr>
+            <a:r>
+              <a:rPr lang="pl-PL" sz="3600" dirty="0" smtClean="0">
+                <a:solidFill>
+                  <a:schemeClr val="tx1"/>
+                </a:solidFill>
+              </a:rPr>
+              <a:t>JDK</a:t>
+            </a:r>
             <a:endParaRPr lang="pl-PL" sz="3600" dirty="0">
               <a:solidFill>
                 <a:schemeClr val="tx1"/>
@@ -13130,7 +15825,7 @@
         </p:nvSpPr>
         <p:spPr>
           <a:xfrm>
-            <a:off x="829734" y="762000"/>
+            <a:off x="794899" y="735375"/>
             <a:ext cx="8596668" cy="1320800"/>
           </a:xfrm>
           <a:prstGeom prst="rect">
@@ -13139,7 +15834,7 @@
         </p:spPr>
         <p:txBody>
           <a:bodyPr vert="horz" lIns="91440" tIns="45720" rIns="91440" bIns="45720" rtlCol="0" anchor="t">
-            <a:normAutofit fontScale="97500" lnSpcReduction="10000"/>
+            <a:normAutofit fontScale="82500" lnSpcReduction="20000"/>
           </a:bodyPr>
           <a:lstStyle>
             <a:lvl1pPr algn="l" defTabSz="457200" rtl="0" eaLnBrk="1" latinLnBrk="0" hangingPunct="1">
@@ -13216,8 +15911,10 @@
           <a:p>
             <a:r>
               <a:rPr lang="pl-PL" sz="4800" dirty="0" smtClean="0"/>
-              <a:t>Test Pyramid</a:t>
-            </a:r>
+              <a:t>Basics</a:t>
+            </a:r>
+          </a:p>
+          <a:p>
             <a:r>
               <a:rPr lang="pl-PL" dirty="0" smtClean="0"/>
               <a:t/>
